--- a/project/Concrete Analysis.pptx
+++ b/project/Concrete Analysis.pptx
@@ -6,14 +6,15 @@
   </p:sldMasterIdLst>
   <p:sldIdLst>
     <p:sldId id="256" r:id="rId2"/>
-    <p:sldId id="257" r:id="rId3"/>
-    <p:sldId id="259" r:id="rId4"/>
-    <p:sldId id="260" r:id="rId5"/>
-    <p:sldId id="266" r:id="rId6"/>
-    <p:sldId id="262" r:id="rId7"/>
-    <p:sldId id="263" r:id="rId8"/>
-    <p:sldId id="264" r:id="rId9"/>
-    <p:sldId id="265" r:id="rId10"/>
+    <p:sldId id="267" r:id="rId3"/>
+    <p:sldId id="257" r:id="rId4"/>
+    <p:sldId id="259" r:id="rId5"/>
+    <p:sldId id="260" r:id="rId6"/>
+    <p:sldId id="266" r:id="rId7"/>
+    <p:sldId id="262" r:id="rId8"/>
+    <p:sldId id="263" r:id="rId9"/>
+    <p:sldId id="264" r:id="rId10"/>
+    <p:sldId id="265" r:id="rId11"/>
   </p:sldIdLst>
   <p:sldSz cx="12192000" cy="6858000"/>
   <p:notesSz cx="6858000" cy="9144000"/>
@@ -112,6 +113,11 @@
       </a:defRPr>
     </a:lvl9pPr>
   </p:defaultTextStyle>
+  <p:extLst>
+    <p:ext uri="{EFAFB233-063F-42B5-8137-9DF3F51BA10A}">
+      <p15:sldGuideLst xmlns:p15="http://schemas.microsoft.com/office/powerpoint/2012/main"/>
+    </p:ext>
+  </p:extLst>
 </p:presentation>
 </file>
 
@@ -3420,10 +3426,10 @@
       </p:sp>
       <p:pic>
         <p:nvPicPr>
-          <p:cNvPr id="7" name="Grafik 6" descr="Ein Bild, das Kompositmaterial, Architektur, Gebäude, draußen enthält.&#10;&#10;Automatisch generierte Beschreibung">
-            <a:extLst>
-              <a:ext uri="{FF2B5EF4-FFF2-40B4-BE49-F238E27FC236}">
-                <a16:creationId xmlns:a16="http://schemas.microsoft.com/office/drawing/2014/main" id="{0B3CDE7D-5AF8-F768-85C4-FD2CC223C2CB}"/>
+          <p:cNvPr id="4" name="Grafik 3" descr="Ein Bild, das Kompositmaterial, Architektur, Gebäude, draußen enthält.&#10;&#10;Automatisch generierte Beschreibung">
+            <a:extLst>
+              <a:ext uri="{FF2B5EF4-FFF2-40B4-BE49-F238E27FC236}">
+                <a16:creationId xmlns:a16="http://schemas.microsoft.com/office/drawing/2014/main" id="{68FEC516-1B65-B54C-4452-AAFDFC0C74BF}"/>
               </a:ext>
             </a:extLst>
           </p:cNvPr>
@@ -3440,13 +3446,13 @@
               </a:ext>
             </a:extLst>
           </a:blip>
-          <a:srcRect l="8241" r="29135" b="9092"/>
+          <a:srcRect t="3208" r="37368" b="5884"/>
           <a:stretch/>
         </p:blipFill>
         <p:spPr>
           <a:xfrm>
-            <a:off x="3523488" y="10"/>
-            <a:ext cx="8668512" cy="6857990"/>
+            <a:off x="3983929" y="0"/>
+            <a:ext cx="8208069" cy="7227641"/>
           </a:xfrm>
           <a:prstGeom prst="rect">
             <a:avLst/>
@@ -3827,7 +3833,7 @@
 </p:sld>
 </file>
 
-<file path=ppt/slides/slide2.xml><?xml version="1.0" encoding="utf-8"?>
+<file path=ppt/slides/slide10.xml><?xml version="1.0" encoding="utf-8"?>
 <p:sld xmlns:a="http://schemas.openxmlformats.org/drawingml/2006/main" xmlns:r="http://schemas.openxmlformats.org/officeDocument/2006/relationships" xmlns:p="http://schemas.openxmlformats.org/presentationml/2006/main">
   <p:cSld>
     <p:bg>
@@ -3939,7 +3945,7 @@
         </p:blipFill>
         <p:spPr>
           <a:xfrm>
-            <a:off x="3983929" y="0"/>
+            <a:off x="3983929" y="-12959"/>
             <a:ext cx="8208069" cy="7227641"/>
           </a:xfrm>
           <a:prstGeom prst="rect">
@@ -4067,8 +4073,13 @@
                   <a:schemeClr val="bg1"/>
                 </a:solidFill>
               </a:rPr>
-              <a:t>The Data</a:t>
-            </a:r>
+              <a:t>The Models</a:t>
+            </a:r>
+            <a:endParaRPr lang="en-GB" sz="2200" dirty="0">
+              <a:solidFill>
+                <a:schemeClr val="bg1"/>
+              </a:solidFill>
+            </a:endParaRPr>
           </a:p>
         </p:txBody>
       </p:sp>
@@ -4254,7 +4265,7 @@
         <p:spPr>
           <a:xfrm>
             <a:off x="371094" y="2718054"/>
-            <a:ext cx="3438906" cy="3207258"/>
+            <a:ext cx="3661410" cy="3198114"/>
           </a:xfrm>
         </p:spPr>
         <p:txBody>
@@ -4263,38 +4274,570 @@
           </a:bodyPr>
           <a:lstStyle/>
           <a:p>
-            <a:r>
-              <a:rPr lang="en-GB" sz="1700" dirty="0">
-                <a:solidFill>
-                  <a:schemeClr val="bg1"/>
-                </a:solidFill>
-              </a:rPr>
-              <a:t>Sourced from a series of experimental trials by the SIKA </a:t>
-            </a:r>
-          </a:p>
-          <a:p>
-            <a:r>
-              <a:rPr lang="en-GB" sz="1700" dirty="0">
-                <a:solidFill>
-                  <a:schemeClr val="bg1"/>
-                </a:solidFill>
-              </a:rPr>
-              <a:t>Contains 1440 observations and 10 variables, 7 of which are used as independent variables while the remaining 3 are dependent</a:t>
-            </a:r>
-          </a:p>
-          <a:p>
+            <a:pPr>
+              <a:buFontTx/>
+              <a:buChar char="-"/>
+            </a:pPr>
+            <a:r>
+              <a:rPr lang="de-CH" sz="1700" dirty="0" err="1">
+                <a:solidFill>
+                  <a:schemeClr val="bg1"/>
+                </a:solidFill>
+              </a:rPr>
+              <a:t>Suggests</a:t>
+            </a:r>
+            <a:r>
+              <a:rPr lang="de-CH" sz="1700" dirty="0">
+                <a:solidFill>
+                  <a:schemeClr val="bg1"/>
+                </a:solidFill>
+              </a:rPr>
+              <a:t> </a:t>
+            </a:r>
+            <a:r>
+              <a:rPr lang="de-CH" sz="1700" dirty="0" err="1">
+                <a:solidFill>
+                  <a:schemeClr val="bg1"/>
+                </a:solidFill>
+              </a:rPr>
+              <a:t>dimensionality</a:t>
+            </a:r>
+            <a:r>
+              <a:rPr lang="de-CH" sz="1700" dirty="0">
+                <a:solidFill>
+                  <a:schemeClr val="bg1"/>
+                </a:solidFill>
+              </a:rPr>
+              <a:t> </a:t>
+            </a:r>
+            <a:r>
+              <a:rPr lang="de-CH" sz="1700" dirty="0" err="1">
+                <a:solidFill>
+                  <a:schemeClr val="bg1"/>
+                </a:solidFill>
+              </a:rPr>
+              <a:t>reduction</a:t>
+            </a:r>
+            <a:r>
+              <a:rPr lang="de-CH" sz="1700" dirty="0">
+                <a:solidFill>
+                  <a:schemeClr val="bg1"/>
+                </a:solidFill>
+              </a:rPr>
+              <a:t> </a:t>
+            </a:r>
+            <a:r>
+              <a:rPr lang="de-CH" sz="1700" dirty="0" err="1">
+                <a:solidFill>
+                  <a:schemeClr val="bg1"/>
+                </a:solidFill>
+              </a:rPr>
+              <a:t>to</a:t>
+            </a:r>
+            <a:r>
+              <a:rPr lang="de-CH" sz="1700" dirty="0">
+                <a:solidFill>
+                  <a:schemeClr val="bg1"/>
+                </a:solidFill>
+              </a:rPr>
+              <a:t> 4 </a:t>
+            </a:r>
+            <a:r>
+              <a:rPr lang="de-CH" sz="1700" dirty="0" err="1">
+                <a:solidFill>
+                  <a:schemeClr val="bg1"/>
+                </a:solidFill>
+              </a:rPr>
+              <a:t>or</a:t>
+            </a:r>
+            <a:r>
+              <a:rPr lang="de-CH" sz="1700" dirty="0">
+                <a:solidFill>
+                  <a:schemeClr val="bg1"/>
+                </a:solidFill>
+              </a:rPr>
+              <a:t> 5 </a:t>
+            </a:r>
+            <a:r>
+              <a:rPr lang="de-CH" sz="1700" dirty="0" err="1">
+                <a:solidFill>
+                  <a:schemeClr val="bg1"/>
+                </a:solidFill>
+              </a:rPr>
+              <a:t>principal</a:t>
+            </a:r>
+            <a:r>
+              <a:rPr lang="de-CH" sz="1700" dirty="0">
+                <a:solidFill>
+                  <a:schemeClr val="bg1"/>
+                </a:solidFill>
+              </a:rPr>
+              <a:t> </a:t>
+            </a:r>
+            <a:r>
+              <a:rPr lang="de-CH" sz="1700" dirty="0" err="1">
+                <a:solidFill>
+                  <a:schemeClr val="bg1"/>
+                </a:solidFill>
+              </a:rPr>
+              <a:t>components</a:t>
+            </a:r>
+            <a:endParaRPr lang="de-CH" sz="1700" dirty="0">
+              <a:solidFill>
+                <a:schemeClr val="bg1"/>
+              </a:solidFill>
+            </a:endParaRPr>
+          </a:p>
+          <a:p>
+            <a:pPr>
+              <a:buFontTx/>
+              <a:buChar char="-"/>
+            </a:pPr>
+            <a:r>
+              <a:rPr lang="de-CH" sz="1700" dirty="0">
+                <a:solidFill>
+                  <a:schemeClr val="bg1"/>
+                </a:solidFill>
+              </a:rPr>
+              <a:t>Due </a:t>
+            </a:r>
+            <a:r>
+              <a:rPr lang="de-CH" sz="1700" dirty="0" err="1">
+                <a:solidFill>
+                  <a:schemeClr val="bg1"/>
+                </a:solidFill>
+              </a:rPr>
+              <a:t>to</a:t>
+            </a:r>
+            <a:r>
+              <a:rPr lang="de-CH" sz="1700" dirty="0">
+                <a:solidFill>
+                  <a:schemeClr val="bg1"/>
+                </a:solidFill>
+              </a:rPr>
+              <a:t> </a:t>
+            </a:r>
+            <a:r>
+              <a:rPr lang="de-CH" sz="1700" dirty="0" err="1">
+                <a:solidFill>
+                  <a:schemeClr val="bg1"/>
+                </a:solidFill>
+              </a:rPr>
+              <a:t>the</a:t>
+            </a:r>
+            <a:r>
+              <a:rPr lang="de-CH" sz="1700" dirty="0">
+                <a:solidFill>
+                  <a:schemeClr val="bg1"/>
+                </a:solidFill>
+              </a:rPr>
+              <a:t> </a:t>
+            </a:r>
+            <a:r>
+              <a:rPr lang="de-CH" sz="1700" dirty="0" err="1">
+                <a:solidFill>
+                  <a:schemeClr val="bg1"/>
+                </a:solidFill>
+              </a:rPr>
+              <a:t>relatively</a:t>
+            </a:r>
+            <a:r>
+              <a:rPr lang="de-CH" sz="1700" dirty="0">
+                <a:solidFill>
+                  <a:schemeClr val="bg1"/>
+                </a:solidFill>
+              </a:rPr>
+              <a:t> </a:t>
+            </a:r>
+            <a:r>
+              <a:rPr lang="de-CH" sz="1700" dirty="0" err="1">
+                <a:solidFill>
+                  <a:schemeClr val="bg1"/>
+                </a:solidFill>
+              </a:rPr>
+              <a:t>small</a:t>
+            </a:r>
+            <a:r>
+              <a:rPr lang="de-CH" sz="1700" dirty="0">
+                <a:solidFill>
+                  <a:schemeClr val="bg1"/>
+                </a:solidFill>
+              </a:rPr>
+              <a:t> </a:t>
+            </a:r>
+            <a:r>
+              <a:rPr lang="de-CH" sz="1700" dirty="0" err="1">
+                <a:solidFill>
+                  <a:schemeClr val="bg1"/>
+                </a:solidFill>
+              </a:rPr>
+              <a:t>size</a:t>
+            </a:r>
+            <a:r>
+              <a:rPr lang="de-CH" sz="1700" dirty="0">
+                <a:solidFill>
+                  <a:schemeClr val="bg1"/>
+                </a:solidFill>
+              </a:rPr>
+              <a:t> </a:t>
+            </a:r>
+            <a:r>
+              <a:rPr lang="de-CH" sz="1700" dirty="0" err="1">
+                <a:solidFill>
+                  <a:schemeClr val="bg1"/>
+                </a:solidFill>
+              </a:rPr>
+              <a:t>of</a:t>
+            </a:r>
+            <a:r>
+              <a:rPr lang="de-CH" sz="1700" dirty="0">
+                <a:solidFill>
+                  <a:schemeClr val="bg1"/>
+                </a:solidFill>
+              </a:rPr>
+              <a:t> </a:t>
+            </a:r>
+            <a:r>
+              <a:rPr lang="de-CH" sz="1700" dirty="0" err="1">
+                <a:solidFill>
+                  <a:schemeClr val="bg1"/>
+                </a:solidFill>
+              </a:rPr>
+              <a:t>the</a:t>
+            </a:r>
+            <a:r>
+              <a:rPr lang="de-CH" sz="1700" dirty="0">
+                <a:solidFill>
+                  <a:schemeClr val="bg1"/>
+                </a:solidFill>
+              </a:rPr>
+              <a:t> </a:t>
+            </a:r>
+            <a:r>
+              <a:rPr lang="de-CH" sz="1700" dirty="0" err="1">
+                <a:solidFill>
+                  <a:schemeClr val="bg1"/>
+                </a:solidFill>
+              </a:rPr>
+              <a:t>data</a:t>
+            </a:r>
+            <a:r>
+              <a:rPr lang="de-CH" sz="1700" dirty="0">
+                <a:solidFill>
+                  <a:schemeClr val="bg1"/>
+                </a:solidFill>
+              </a:rPr>
+              <a:t> and </a:t>
+            </a:r>
+            <a:r>
+              <a:rPr lang="de-CH" sz="1700" dirty="0" err="1">
+                <a:solidFill>
+                  <a:schemeClr val="bg1"/>
+                </a:solidFill>
+              </a:rPr>
+              <a:t>the</a:t>
+            </a:r>
+            <a:r>
+              <a:rPr lang="de-CH" sz="1700" dirty="0">
+                <a:solidFill>
+                  <a:schemeClr val="bg1"/>
+                </a:solidFill>
+              </a:rPr>
+              <a:t> </a:t>
+            </a:r>
+            <a:r>
+              <a:rPr lang="de-CH" sz="1700" dirty="0" err="1">
+                <a:solidFill>
+                  <a:schemeClr val="bg1"/>
+                </a:solidFill>
+              </a:rPr>
+              <a:t>ease</a:t>
+            </a:r>
+            <a:r>
+              <a:rPr lang="de-CH" sz="1700" dirty="0">
+                <a:solidFill>
+                  <a:schemeClr val="bg1"/>
+                </a:solidFill>
+              </a:rPr>
+              <a:t> </a:t>
+            </a:r>
+            <a:r>
+              <a:rPr lang="de-CH" sz="1700" dirty="0" err="1">
+                <a:solidFill>
+                  <a:schemeClr val="bg1"/>
+                </a:solidFill>
+              </a:rPr>
+              <a:t>of</a:t>
+            </a:r>
+            <a:r>
+              <a:rPr lang="de-CH" sz="1700" dirty="0">
+                <a:solidFill>
+                  <a:schemeClr val="bg1"/>
+                </a:solidFill>
+              </a:rPr>
+              <a:t> </a:t>
+            </a:r>
+            <a:r>
+              <a:rPr lang="de-CH" sz="1700" dirty="0" err="1">
+                <a:solidFill>
+                  <a:schemeClr val="bg1"/>
+                </a:solidFill>
+              </a:rPr>
+              <a:t>computing</a:t>
+            </a:r>
+            <a:r>
+              <a:rPr lang="de-CH" sz="1700" dirty="0">
+                <a:solidFill>
+                  <a:schemeClr val="bg1"/>
+                </a:solidFill>
+              </a:rPr>
+              <a:t>, </a:t>
+            </a:r>
+            <a:r>
+              <a:rPr lang="de-CH" sz="1700" dirty="0" err="1">
+                <a:solidFill>
+                  <a:schemeClr val="bg1"/>
+                </a:solidFill>
+              </a:rPr>
+              <a:t>we</a:t>
+            </a:r>
+            <a:r>
+              <a:rPr lang="de-CH" sz="1700" dirty="0">
+                <a:solidFill>
+                  <a:schemeClr val="bg1"/>
+                </a:solidFill>
+              </a:rPr>
+              <a:t> </a:t>
+            </a:r>
+            <a:r>
+              <a:rPr lang="de-CH" sz="1700" dirty="0" err="1">
+                <a:solidFill>
+                  <a:schemeClr val="bg1"/>
+                </a:solidFill>
+              </a:rPr>
+              <a:t>chose</a:t>
+            </a:r>
+            <a:r>
+              <a:rPr lang="de-CH" sz="1700" dirty="0">
+                <a:solidFill>
+                  <a:schemeClr val="bg1"/>
+                </a:solidFill>
+              </a:rPr>
+              <a:t> </a:t>
+            </a:r>
+            <a:r>
+              <a:rPr lang="de-CH" sz="1700" dirty="0" err="1">
+                <a:solidFill>
+                  <a:schemeClr val="bg1"/>
+                </a:solidFill>
+              </a:rPr>
+              <a:t>to</a:t>
+            </a:r>
+            <a:r>
+              <a:rPr lang="de-CH" sz="1700" dirty="0">
+                <a:solidFill>
+                  <a:schemeClr val="bg1"/>
+                </a:solidFill>
+              </a:rPr>
+              <a:t> </a:t>
+            </a:r>
+            <a:r>
+              <a:rPr lang="de-CH" sz="1700" dirty="0" err="1">
+                <a:solidFill>
+                  <a:schemeClr val="bg1"/>
+                </a:solidFill>
+              </a:rPr>
+              <a:t>continue</a:t>
+            </a:r>
+            <a:r>
+              <a:rPr lang="de-CH" sz="1700" dirty="0">
+                <a:solidFill>
+                  <a:schemeClr val="bg1"/>
+                </a:solidFill>
+              </a:rPr>
+              <a:t> </a:t>
+            </a:r>
+            <a:r>
+              <a:rPr lang="de-CH" sz="1700" dirty="0" err="1">
+                <a:solidFill>
+                  <a:schemeClr val="bg1"/>
+                </a:solidFill>
+              </a:rPr>
+              <a:t>to</a:t>
+            </a:r>
+            <a:r>
+              <a:rPr lang="de-CH" sz="1700" dirty="0">
+                <a:solidFill>
+                  <a:schemeClr val="bg1"/>
+                </a:solidFill>
+              </a:rPr>
+              <a:t> </a:t>
+            </a:r>
+            <a:r>
+              <a:rPr lang="de-CH" sz="1700" dirty="0" err="1">
+                <a:solidFill>
+                  <a:schemeClr val="bg1"/>
+                </a:solidFill>
+              </a:rPr>
+              <a:t>utilize</a:t>
+            </a:r>
+            <a:r>
+              <a:rPr lang="de-CH" sz="1700" dirty="0">
+                <a:solidFill>
+                  <a:schemeClr val="bg1"/>
+                </a:solidFill>
+              </a:rPr>
+              <a:t> </a:t>
+            </a:r>
+            <a:r>
+              <a:rPr lang="de-CH" sz="1700" dirty="0" err="1">
+                <a:solidFill>
+                  <a:schemeClr val="bg1"/>
+                </a:solidFill>
+              </a:rPr>
+              <a:t>the</a:t>
+            </a:r>
+            <a:r>
+              <a:rPr lang="de-CH" sz="1700" dirty="0">
+                <a:solidFill>
+                  <a:schemeClr val="bg1"/>
+                </a:solidFill>
+              </a:rPr>
+              <a:t> </a:t>
+            </a:r>
+            <a:r>
+              <a:rPr lang="de-CH" sz="1700" dirty="0" err="1">
+                <a:solidFill>
+                  <a:schemeClr val="bg1"/>
+                </a:solidFill>
+              </a:rPr>
+              <a:t>full</a:t>
+            </a:r>
+            <a:r>
+              <a:rPr lang="de-CH" sz="1700" dirty="0">
+                <a:solidFill>
+                  <a:schemeClr val="bg1"/>
+                </a:solidFill>
+              </a:rPr>
+              <a:t> </a:t>
+            </a:r>
+            <a:r>
+              <a:rPr lang="de-CH" sz="1700" dirty="0" err="1">
+                <a:solidFill>
+                  <a:schemeClr val="bg1"/>
+                </a:solidFill>
+              </a:rPr>
+              <a:t>dataset</a:t>
+            </a:r>
+            <a:r>
+              <a:rPr lang="de-CH" sz="1700" dirty="0">
+                <a:solidFill>
+                  <a:schemeClr val="bg1"/>
+                </a:solidFill>
+              </a:rPr>
+              <a:t> w/o Profile Area </a:t>
+            </a:r>
+            <a:r>
+              <a:rPr lang="de-CH" sz="1700" dirty="0" err="1">
+                <a:solidFill>
+                  <a:schemeClr val="bg1"/>
+                </a:solidFill>
+              </a:rPr>
+              <a:t>to</a:t>
+            </a:r>
+            <a:r>
+              <a:rPr lang="de-CH" sz="1700" dirty="0">
+                <a:solidFill>
+                  <a:schemeClr val="bg1"/>
+                </a:solidFill>
+              </a:rPr>
+              <a:t> </a:t>
+            </a:r>
+            <a:r>
+              <a:rPr lang="de-CH" sz="1700" dirty="0" err="1">
+                <a:solidFill>
+                  <a:schemeClr val="bg1"/>
+                </a:solidFill>
+              </a:rPr>
+              <a:t>increase</a:t>
+            </a:r>
+            <a:r>
+              <a:rPr lang="de-CH" sz="1700" dirty="0">
+                <a:solidFill>
+                  <a:schemeClr val="bg1"/>
+                </a:solidFill>
+              </a:rPr>
+              <a:t> </a:t>
+            </a:r>
+            <a:r>
+              <a:rPr lang="de-CH" sz="1700" dirty="0" err="1">
+                <a:solidFill>
+                  <a:schemeClr val="bg1"/>
+                </a:solidFill>
+              </a:rPr>
+              <a:t>prediction</a:t>
+            </a:r>
+            <a:r>
+              <a:rPr lang="de-CH" sz="1700" dirty="0">
+                <a:solidFill>
+                  <a:schemeClr val="bg1"/>
+                </a:solidFill>
+              </a:rPr>
+              <a:t> </a:t>
+            </a:r>
+            <a:r>
+              <a:rPr lang="de-CH" sz="1700" dirty="0" err="1">
+                <a:solidFill>
+                  <a:schemeClr val="bg1"/>
+                </a:solidFill>
+              </a:rPr>
+              <a:t>quality</a:t>
+            </a:r>
+            <a:endParaRPr lang="de-CH" sz="1700" dirty="0">
+              <a:solidFill>
+                <a:schemeClr val="bg1"/>
+              </a:solidFill>
+            </a:endParaRPr>
+          </a:p>
+          <a:p>
+            <a:pPr>
+              <a:buFontTx/>
+              <a:buChar char="-"/>
+            </a:pPr>
+            <a:endParaRPr lang="de-CH" sz="1700" dirty="0">
+              <a:solidFill>
+                <a:schemeClr val="bg1"/>
+              </a:solidFill>
+            </a:endParaRPr>
+          </a:p>
+          <a:p>
+            <a:pPr>
+              <a:buFontTx/>
+              <a:buChar char="-"/>
+            </a:pPr>
             <a:endParaRPr lang="en-GB" sz="1700" dirty="0">
               <a:solidFill>
                 <a:schemeClr val="bg1"/>
               </a:solidFill>
             </a:endParaRPr>
           </a:p>
+          <a:p>
+            <a:pPr>
+              <a:buFontTx/>
+              <a:buChar char="-"/>
+            </a:pPr>
+            <a:endParaRPr lang="en-GB" sz="1700" dirty="0">
+              <a:solidFill>
+                <a:schemeClr val="bg1"/>
+              </a:solidFill>
+            </a:endParaRPr>
+          </a:p>
         </p:txBody>
       </p:sp>
     </p:spTree>
     <p:extLst>
       <p:ext uri="{BB962C8B-B14F-4D97-AF65-F5344CB8AC3E}">
-        <p14:creationId xmlns:p14="http://schemas.microsoft.com/office/powerpoint/2010/main" val="792363258"/>
+        <p14:creationId xmlns:p14="http://schemas.microsoft.com/office/powerpoint/2010/main" val="2445778443"/>
       </p:ext>
     </p:extLst>
   </p:cSld>
@@ -4304,7 +4847,7 @@
 </p:sld>
 </file>
 
-<file path=ppt/slides/slide3.xml><?xml version="1.0" encoding="utf-8"?>
+<file path=ppt/slides/slide2.xml><?xml version="1.0" encoding="utf-8"?>
 <p:sld xmlns:a="http://schemas.openxmlformats.org/drawingml/2006/main" xmlns:r="http://schemas.openxmlformats.org/officeDocument/2006/relationships" xmlns:p="http://schemas.openxmlformats.org/presentationml/2006/main">
   <p:cSld>
     <p:bg>
@@ -4416,7 +4959,7 @@
         </p:blipFill>
         <p:spPr>
           <a:xfrm>
-            <a:off x="3983929" y="-12959"/>
+            <a:off x="3983929" y="0"/>
             <a:ext cx="8208069" cy="7227641"/>
           </a:xfrm>
           <a:prstGeom prst="rect">
@@ -4544,36 +5087,8 @@
                   <a:schemeClr val="bg1"/>
                 </a:solidFill>
               </a:rPr>
-              <a:t>The Goal –</a:t>
-            </a:r>
-            <a:br>
-              <a:rPr lang="en-GB" sz="2800" dirty="0">
-                <a:solidFill>
-                  <a:schemeClr val="bg1"/>
-                </a:solidFill>
-              </a:rPr>
-            </a:br>
-            <a:r>
-              <a:rPr lang="en-GB" sz="2200" dirty="0">
-                <a:solidFill>
-                  <a:schemeClr val="bg1"/>
-                </a:solidFill>
-              </a:rPr>
-              <a:t>2 Level Predictive </a:t>
-            </a:r>
-            <a:r>
-              <a:rPr lang="en-GB" sz="2200" dirty="0" err="1">
-                <a:solidFill>
-                  <a:schemeClr val="bg1"/>
-                </a:solidFill>
-              </a:rPr>
-              <a:t>Modeling</a:t>
-            </a:r>
-            <a:endParaRPr lang="en-GB" sz="2200" dirty="0">
-              <a:solidFill>
-                <a:schemeClr val="bg1"/>
-              </a:solidFill>
-            </a:endParaRPr>
+              <a:t>The Data</a:t>
+            </a:r>
           </a:p>
         </p:txBody>
       </p:sp>
@@ -4759,6 +5274,988 @@
         <p:spPr>
           <a:xfrm>
             <a:off x="371094" y="2718054"/>
+            <a:ext cx="3438906" cy="3207258"/>
+          </a:xfrm>
+        </p:spPr>
+        <p:txBody>
+          <a:bodyPr anchor="t">
+            <a:normAutofit/>
+          </a:bodyPr>
+          <a:lstStyle/>
+          <a:p>
+            <a:r>
+              <a:rPr lang="en-GB" sz="1700" dirty="0">
+                <a:solidFill>
+                  <a:schemeClr val="bg1"/>
+                </a:solidFill>
+              </a:rPr>
+              <a:t>Sourced from a series of experimental trials by the SIKA </a:t>
+            </a:r>
+          </a:p>
+          <a:p>
+            <a:r>
+              <a:rPr lang="en-GB" sz="1700" dirty="0">
+                <a:solidFill>
+                  <a:schemeClr val="bg1"/>
+                </a:solidFill>
+              </a:rPr>
+              <a:t>Contains 1440 observations and 10 variables, 7 of which are used as independent variables while the remaining 3 are dependent</a:t>
+            </a:r>
+          </a:p>
+          <a:p>
+            <a:endParaRPr lang="en-GB" sz="1700" dirty="0">
+              <a:solidFill>
+                <a:schemeClr val="bg1"/>
+              </a:solidFill>
+            </a:endParaRPr>
+          </a:p>
+        </p:txBody>
+      </p:sp>
+    </p:spTree>
+    <p:extLst>
+      <p:ext uri="{BB962C8B-B14F-4D97-AF65-F5344CB8AC3E}">
+        <p14:creationId xmlns:p14="http://schemas.microsoft.com/office/powerpoint/2010/main" val="2396326781"/>
+      </p:ext>
+    </p:extLst>
+  </p:cSld>
+  <p:clrMapOvr>
+    <a:masterClrMapping/>
+  </p:clrMapOvr>
+</p:sld>
+</file>
+
+<file path=ppt/slides/slide3.xml><?xml version="1.0" encoding="utf-8"?>
+<p:sld xmlns:a="http://schemas.openxmlformats.org/drawingml/2006/main" xmlns:r="http://schemas.openxmlformats.org/officeDocument/2006/relationships" xmlns:p="http://schemas.openxmlformats.org/presentationml/2006/main">
+  <p:cSld>
+    <p:bg>
+      <p:bgPr>
+        <a:solidFill>
+          <a:schemeClr val="bg1"/>
+        </a:solidFill>
+        <a:effectLst/>
+      </p:bgPr>
+    </p:bg>
+    <p:spTree>
+      <p:nvGrpSpPr>
+        <p:cNvPr id="1" name=""/>
+        <p:cNvGrpSpPr/>
+        <p:nvPr/>
+      </p:nvGrpSpPr>
+      <p:grpSpPr>
+        <a:xfrm>
+          <a:off x="0" y="0"/>
+          <a:ext cx="0" cy="0"/>
+          <a:chOff x="0" y="0"/>
+          <a:chExt cx="0" cy="0"/>
+        </a:xfrm>
+      </p:grpSpPr>
+      <p:sp useBgFill="1">
+        <p:nvSpPr>
+          <p:cNvPr id="9" name="Rectangle 8">
+            <a:extLst>
+              <a:ext uri="{FF2B5EF4-FFF2-40B4-BE49-F238E27FC236}">
+                <a16:creationId xmlns:a16="http://schemas.microsoft.com/office/drawing/2014/main" id="{9AA72BD9-2C5A-4EDC-931F-5AA08EACA0F3}"/>
+              </a:ext>
+              <a:ext uri="{C183D7F6-B498-43B3-948B-1728B52AA6E4}">
+                <adec:decorative xmlns:adec="http://schemas.microsoft.com/office/drawing/2017/decorative" val="1"/>
+              </a:ext>
+            </a:extLst>
+          </p:cNvPr>
+          <p:cNvSpPr>
+            <a:spLocks noGrp="1" noRot="1" noChangeAspect="1" noMove="1" noResize="1" noEditPoints="1" noAdjustHandles="1" noChangeArrowheads="1" noChangeShapeType="1" noTextEdit="1"/>
+          </p:cNvSpPr>
+          <p:nvPr>
+            <p:extLst>
+              <p:ext uri="{386F3935-93C4-4BCD-93E2-E3B085C9AB24}">
+                <p16:designElem xmlns:p16="http://schemas.microsoft.com/office/powerpoint/2015/main" val="1"/>
+              </p:ext>
+            </p:extLst>
+          </p:nvPr>
+        </p:nvSpPr>
+        <p:spPr>
+          <a:xfrm>
+            <a:off x="0" y="0"/>
+            <a:ext cx="12192000" cy="6858000"/>
+          </a:xfrm>
+          <a:prstGeom prst="rect">
+            <a:avLst/>
+          </a:prstGeom>
+          <a:ln>
+            <a:noFill/>
+          </a:ln>
+        </p:spPr>
+        <p:style>
+          <a:lnRef idx="2">
+            <a:schemeClr val="accent1">
+              <a:shade val="50000"/>
+            </a:schemeClr>
+          </a:lnRef>
+          <a:fillRef idx="1">
+            <a:schemeClr val="accent1"/>
+          </a:fillRef>
+          <a:effectRef idx="0">
+            <a:schemeClr val="accent1"/>
+          </a:effectRef>
+          <a:fontRef idx="minor">
+            <a:schemeClr val="lt1"/>
+          </a:fontRef>
+        </p:style>
+        <p:txBody>
+          <a:bodyPr rtlCol="0" anchor="ctr"/>
+          <a:lstStyle/>
+          <a:p>
+            <a:pPr algn="ctr"/>
+            <a:endParaRPr lang="en-US"/>
+          </a:p>
+        </p:txBody>
+      </p:sp>
+      <p:pic>
+        <p:nvPicPr>
+          <p:cNvPr id="4" name="Grafik 3" descr="Ein Bild, das Kompositmaterial, Architektur, Gebäude, draußen enthält.&#10;&#10;Automatisch generierte Beschreibung">
+            <a:extLst>
+              <a:ext uri="{FF2B5EF4-FFF2-40B4-BE49-F238E27FC236}">
+                <a16:creationId xmlns:a16="http://schemas.microsoft.com/office/drawing/2014/main" id="{D7140C0C-901C-2968-08D3-74C14EF64A79}"/>
+              </a:ext>
+            </a:extLst>
+          </p:cNvPr>
+          <p:cNvPicPr>
+            <a:picLocks noChangeAspect="1"/>
+          </p:cNvPicPr>
+          <p:nvPr/>
+        </p:nvPicPr>
+        <p:blipFill rotWithShape="1">
+          <a:blip r:embed="rId2">
+            <a:extLst>
+              <a:ext uri="{28A0092B-C50C-407E-A947-70E740481C1C}">
+                <a14:useLocalDpi xmlns:a14="http://schemas.microsoft.com/office/drawing/2010/main" val="0"/>
+              </a:ext>
+            </a:extLst>
+          </a:blip>
+          <a:srcRect t="3208" r="37368" b="5884"/>
+          <a:stretch/>
+        </p:blipFill>
+        <p:spPr>
+          <a:xfrm>
+            <a:off x="3983929" y="0"/>
+            <a:ext cx="8208069" cy="7227641"/>
+          </a:xfrm>
+          <a:prstGeom prst="rect">
+            <a:avLst/>
+          </a:prstGeom>
+        </p:spPr>
+      </p:pic>
+      <p:sp>
+        <p:nvSpPr>
+          <p:cNvPr id="11" name="Rectangle 10">
+            <a:extLst>
+              <a:ext uri="{FF2B5EF4-FFF2-40B4-BE49-F238E27FC236}">
+                <a16:creationId xmlns:a16="http://schemas.microsoft.com/office/drawing/2014/main" id="{DD3981AC-7B61-4947-BCF3-F7AA7FA385B9}"/>
+              </a:ext>
+              <a:ext uri="{C183D7F6-B498-43B3-948B-1728B52AA6E4}">
+                <adec:decorative xmlns:adec="http://schemas.microsoft.com/office/drawing/2017/decorative" val="1"/>
+              </a:ext>
+            </a:extLst>
+          </p:cNvPr>
+          <p:cNvSpPr>
+            <a:spLocks noGrp="1" noRot="1" noChangeAspect="1" noMove="1" noResize="1" noEditPoints="1" noAdjustHandles="1" noChangeArrowheads="1" noChangeShapeType="1" noTextEdit="1"/>
+          </p:cNvSpPr>
+          <p:nvPr>
+            <p:extLst>
+              <p:ext uri="{386F3935-93C4-4BCD-93E2-E3B085C9AB24}">
+                <p16:designElem xmlns:p16="http://schemas.microsoft.com/office/powerpoint/2015/main" val="1"/>
+              </p:ext>
+            </p:extLst>
+          </p:nvPr>
+        </p:nvSpPr>
+        <p:spPr>
+          <a:xfrm>
+            <a:off x="2" y="0"/>
+            <a:ext cx="9756601" cy="6858000"/>
+          </a:xfrm>
+          <a:prstGeom prst="rect">
+            <a:avLst/>
+          </a:prstGeom>
+          <a:gradFill>
+            <a:gsLst>
+              <a:gs pos="58000">
+                <a:schemeClr val="tx1"/>
+              </a:gs>
+              <a:gs pos="35000">
+                <a:schemeClr val="tx1">
+                  <a:alpha val="78000"/>
+                </a:schemeClr>
+              </a:gs>
+              <a:gs pos="19000">
+                <a:schemeClr val="tx1">
+                  <a:alpha val="38000"/>
+                </a:schemeClr>
+              </a:gs>
+              <a:gs pos="0">
+                <a:schemeClr val="tx1">
+                  <a:alpha val="0"/>
+                </a:schemeClr>
+              </a:gs>
+              <a:gs pos="100000">
+                <a:schemeClr val="tx1"/>
+              </a:gs>
+            </a:gsLst>
+            <a:lin ang="10800000" scaled="0"/>
+          </a:gradFill>
+          <a:ln>
+            <a:noFill/>
+          </a:ln>
+        </p:spPr>
+        <p:style>
+          <a:lnRef idx="2">
+            <a:schemeClr val="accent1">
+              <a:shade val="50000"/>
+            </a:schemeClr>
+          </a:lnRef>
+          <a:fillRef idx="1">
+            <a:schemeClr val="accent1"/>
+          </a:fillRef>
+          <a:effectRef idx="0">
+            <a:schemeClr val="accent1"/>
+          </a:effectRef>
+          <a:fontRef idx="minor">
+            <a:schemeClr val="lt1"/>
+          </a:fontRef>
+        </p:style>
+        <p:txBody>
+          <a:bodyPr rtlCol="0" anchor="ctr"/>
+          <a:lstStyle/>
+          <a:p>
+            <a:pPr algn="ctr"/>
+            <a:endParaRPr lang="en-US" dirty="0"/>
+          </a:p>
+        </p:txBody>
+      </p:sp>
+      <p:sp>
+        <p:nvSpPr>
+          <p:cNvPr id="2" name="Titel 1">
+            <a:extLst>
+              <a:ext uri="{FF2B5EF4-FFF2-40B4-BE49-F238E27FC236}">
+                <a16:creationId xmlns:a16="http://schemas.microsoft.com/office/drawing/2014/main" id="{1BC4F26C-7D68-DC53-D116-4CBB74CB5113}"/>
+              </a:ext>
+            </a:extLst>
+          </p:cNvPr>
+          <p:cNvSpPr>
+            <a:spLocks noGrp="1"/>
+          </p:cNvSpPr>
+          <p:nvPr>
+            <p:ph type="title"/>
+          </p:nvPr>
+        </p:nvSpPr>
+        <p:spPr>
+          <a:xfrm>
+            <a:off x="371094" y="1161288"/>
+            <a:ext cx="3438144" cy="1124712"/>
+          </a:xfrm>
+        </p:spPr>
+        <p:txBody>
+          <a:bodyPr anchor="b">
+            <a:normAutofit/>
+          </a:bodyPr>
+          <a:lstStyle/>
+          <a:p>
+            <a:r>
+              <a:rPr lang="en-GB" sz="2800" dirty="0">
+                <a:solidFill>
+                  <a:schemeClr val="bg1"/>
+                </a:solidFill>
+              </a:rPr>
+              <a:t>The Data</a:t>
+            </a:r>
+          </a:p>
+        </p:txBody>
+      </p:sp>
+      <p:sp>
+        <p:nvSpPr>
+          <p:cNvPr id="13" name="Rectangle 12">
+            <a:extLst>
+              <a:ext uri="{FF2B5EF4-FFF2-40B4-BE49-F238E27FC236}">
+                <a16:creationId xmlns:a16="http://schemas.microsoft.com/office/drawing/2014/main" id="{55D4142C-5077-457F-A6AD-3FECFDB39685}"/>
+              </a:ext>
+              <a:ext uri="{C183D7F6-B498-43B3-948B-1728B52AA6E4}">
+                <adec:decorative xmlns:adec="http://schemas.microsoft.com/office/drawing/2017/decorative" val="1"/>
+              </a:ext>
+            </a:extLst>
+          </p:cNvPr>
+          <p:cNvSpPr>
+            <a:spLocks noGrp="1" noRot="1" noChangeAspect="1" noMove="1" noResize="1" noEditPoints="1" noAdjustHandles="1" noChangeArrowheads="1" noChangeShapeType="1" noTextEdit="1"/>
+          </p:cNvSpPr>
+          <p:nvPr>
+            <p:extLst>
+              <p:ext uri="{386F3935-93C4-4BCD-93E2-E3B085C9AB24}">
+                <p16:designElem xmlns:p16="http://schemas.microsoft.com/office/powerpoint/2015/main" val="1"/>
+              </p:ext>
+            </p:extLst>
+          </p:nvPr>
+        </p:nvSpPr>
+        <p:spPr>
+          <a:xfrm rot="5400000">
+            <a:off x="662559" y="605790"/>
+            <a:ext cx="73152" cy="548640"/>
+          </a:xfrm>
+          <a:prstGeom prst="rect">
+            <a:avLst/>
+          </a:prstGeom>
+          <a:solidFill>
+            <a:schemeClr val="accent2"/>
+          </a:solidFill>
+          <a:ln>
+            <a:noFill/>
+          </a:ln>
+        </p:spPr>
+        <p:style>
+          <a:lnRef idx="2">
+            <a:schemeClr val="accent1">
+              <a:shade val="50000"/>
+            </a:schemeClr>
+          </a:lnRef>
+          <a:fillRef idx="1">
+            <a:schemeClr val="accent1"/>
+          </a:fillRef>
+          <a:effectRef idx="0">
+            <a:schemeClr val="accent1"/>
+          </a:effectRef>
+          <a:fontRef idx="minor">
+            <a:schemeClr val="lt1"/>
+          </a:fontRef>
+        </p:style>
+        <p:txBody>
+          <a:bodyPr rtlCol="0" anchor="ctr"/>
+          <a:lstStyle/>
+          <a:p>
+            <a:pPr algn="ctr"/>
+            <a:endParaRPr lang="en-US">
+              <a:solidFill>
+                <a:prstClr val="white"/>
+              </a:solidFill>
+              <a:latin typeface="Calibri" panose="020F0502020204030204"/>
+            </a:endParaRPr>
+          </a:p>
+        </p:txBody>
+      </p:sp>
+      <p:sp>
+        <p:nvSpPr>
+          <p:cNvPr id="15" name="Rectangle 14">
+            <a:extLst>
+              <a:ext uri="{FF2B5EF4-FFF2-40B4-BE49-F238E27FC236}">
+                <a16:creationId xmlns:a16="http://schemas.microsoft.com/office/drawing/2014/main" id="{7A5F0580-5EE9-419F-96EE-B6529EF6E7D0}"/>
+              </a:ext>
+              <a:ext uri="{C183D7F6-B498-43B3-948B-1728B52AA6E4}">
+                <adec:decorative xmlns:adec="http://schemas.microsoft.com/office/drawing/2017/decorative" val="1"/>
+              </a:ext>
+            </a:extLst>
+          </p:cNvPr>
+          <p:cNvSpPr>
+            <a:spLocks noGrp="1" noRot="1" noChangeAspect="1" noMove="1" noResize="1" noEditPoints="1" noAdjustHandles="1" noChangeArrowheads="1" noChangeShapeType="1" noTextEdit="1"/>
+          </p:cNvSpPr>
+          <p:nvPr>
+            <p:extLst>
+              <p:ext uri="{386F3935-93C4-4BCD-93E2-E3B085C9AB24}">
+                <p16:designElem xmlns:p16="http://schemas.microsoft.com/office/powerpoint/2015/main" val="1"/>
+              </p:ext>
+            </p:extLst>
+          </p:nvPr>
+        </p:nvSpPr>
+        <p:spPr>
+          <a:xfrm>
+            <a:off x="428244" y="2443480"/>
+            <a:ext cx="3300984" cy="9144"/>
+          </a:xfrm>
+          <a:prstGeom prst="rect">
+            <a:avLst/>
+          </a:prstGeom>
+          <a:solidFill>
+            <a:schemeClr val="tx1"/>
+          </a:solidFill>
+          <a:ln w="3175">
+            <a:solidFill>
+              <a:schemeClr val="bg1"/>
+            </a:solidFill>
+          </a:ln>
+          <a:effectLst/>
+        </p:spPr>
+        <p:style>
+          <a:lnRef idx="2">
+            <a:schemeClr val="accent1">
+              <a:shade val="50000"/>
+            </a:schemeClr>
+          </a:lnRef>
+          <a:fillRef idx="1">
+            <a:schemeClr val="accent1"/>
+          </a:fillRef>
+          <a:effectRef idx="0">
+            <a:schemeClr val="accent1"/>
+          </a:effectRef>
+          <a:fontRef idx="minor">
+            <a:schemeClr val="lt1"/>
+          </a:fontRef>
+        </p:style>
+        <p:txBody>
+          <a:bodyPr rtlCol="0" anchor="ctr"/>
+          <a:lstStyle/>
+          <a:p>
+            <a:pPr marL="0" marR="0" lvl="0" indent="0" algn="ctr" defTabSz="914400" rtl="0" eaLnBrk="1" fontAlgn="auto" latinLnBrk="0" hangingPunct="1">
+              <a:lnSpc>
+                <a:spcPct val="100000"/>
+              </a:lnSpc>
+              <a:spcBef>
+                <a:spcPts val="0"/>
+              </a:spcBef>
+              <a:spcAft>
+                <a:spcPts val="0"/>
+              </a:spcAft>
+              <a:buClrTx/>
+              <a:buSzTx/>
+              <a:buFontTx/>
+              <a:buNone/>
+              <a:tabLst/>
+              <a:defRPr/>
+            </a:pPr>
+            <a:endParaRPr kumimoji="0" lang="en-US" sz="1800" b="0" i="0" u="none" strike="noStrike" kern="1200" cap="none" spc="0" normalizeH="0" baseline="0" noProof="0">
+              <a:ln>
+                <a:noFill/>
+              </a:ln>
+              <a:solidFill>
+                <a:prstClr val="white"/>
+              </a:solidFill>
+              <a:effectLst/>
+              <a:uLnTx/>
+              <a:uFillTx/>
+              <a:latin typeface="Calibri" panose="020F0502020204030204"/>
+              <a:ea typeface="+mn-ea"/>
+              <a:cs typeface="+mn-cs"/>
+            </a:endParaRPr>
+          </a:p>
+        </p:txBody>
+      </p:sp>
+      <p:sp>
+        <p:nvSpPr>
+          <p:cNvPr id="3" name="Inhaltsplatzhalter 2">
+            <a:extLst>
+              <a:ext uri="{FF2B5EF4-FFF2-40B4-BE49-F238E27FC236}">
+                <a16:creationId xmlns:a16="http://schemas.microsoft.com/office/drawing/2014/main" id="{90DD08B1-174F-1EF0-0B04-EF24A253DB3C}"/>
+              </a:ext>
+            </a:extLst>
+          </p:cNvPr>
+          <p:cNvSpPr>
+            <a:spLocks noGrp="1"/>
+          </p:cNvSpPr>
+          <p:nvPr>
+            <p:ph idx="1"/>
+          </p:nvPr>
+        </p:nvSpPr>
+        <p:spPr>
+          <a:xfrm>
+            <a:off x="371094" y="2718054"/>
+            <a:ext cx="3438906" cy="3207258"/>
+          </a:xfrm>
+        </p:spPr>
+        <p:txBody>
+          <a:bodyPr anchor="t">
+            <a:normAutofit/>
+          </a:bodyPr>
+          <a:lstStyle/>
+          <a:p>
+            <a:r>
+              <a:rPr lang="en-GB" sz="1700" dirty="0">
+                <a:solidFill>
+                  <a:schemeClr val="bg1"/>
+                </a:solidFill>
+              </a:rPr>
+              <a:t>Sourced from a series of experimental trials by the SIKA </a:t>
+            </a:r>
+          </a:p>
+          <a:p>
+            <a:r>
+              <a:rPr lang="en-GB" sz="1700" dirty="0">
+                <a:solidFill>
+                  <a:schemeClr val="bg1"/>
+                </a:solidFill>
+              </a:rPr>
+              <a:t>Contains 1440 observations and 10 variables, 7 of which are used as independent variables while the remaining 3 are dependent</a:t>
+            </a:r>
+          </a:p>
+          <a:p>
+            <a:endParaRPr lang="en-GB" sz="1700" dirty="0">
+              <a:solidFill>
+                <a:schemeClr val="bg1"/>
+              </a:solidFill>
+            </a:endParaRPr>
+          </a:p>
+        </p:txBody>
+      </p:sp>
+    </p:spTree>
+    <p:extLst>
+      <p:ext uri="{BB962C8B-B14F-4D97-AF65-F5344CB8AC3E}">
+        <p14:creationId xmlns:p14="http://schemas.microsoft.com/office/powerpoint/2010/main" val="792363258"/>
+      </p:ext>
+    </p:extLst>
+  </p:cSld>
+  <p:clrMapOvr>
+    <a:masterClrMapping/>
+  </p:clrMapOvr>
+</p:sld>
+</file>
+
+<file path=ppt/slides/slide4.xml><?xml version="1.0" encoding="utf-8"?>
+<p:sld xmlns:a="http://schemas.openxmlformats.org/drawingml/2006/main" xmlns:r="http://schemas.openxmlformats.org/officeDocument/2006/relationships" xmlns:p="http://schemas.openxmlformats.org/presentationml/2006/main">
+  <p:cSld>
+    <p:bg>
+      <p:bgPr>
+        <a:solidFill>
+          <a:schemeClr val="bg1"/>
+        </a:solidFill>
+        <a:effectLst/>
+      </p:bgPr>
+    </p:bg>
+    <p:spTree>
+      <p:nvGrpSpPr>
+        <p:cNvPr id="1" name=""/>
+        <p:cNvGrpSpPr/>
+        <p:nvPr/>
+      </p:nvGrpSpPr>
+      <p:grpSpPr>
+        <a:xfrm>
+          <a:off x="0" y="0"/>
+          <a:ext cx="0" cy="0"/>
+          <a:chOff x="0" y="0"/>
+          <a:chExt cx="0" cy="0"/>
+        </a:xfrm>
+      </p:grpSpPr>
+      <p:sp useBgFill="1">
+        <p:nvSpPr>
+          <p:cNvPr id="9" name="Rectangle 8">
+            <a:extLst>
+              <a:ext uri="{FF2B5EF4-FFF2-40B4-BE49-F238E27FC236}">
+                <a16:creationId xmlns:a16="http://schemas.microsoft.com/office/drawing/2014/main" id="{9AA72BD9-2C5A-4EDC-931F-5AA08EACA0F3}"/>
+              </a:ext>
+              <a:ext uri="{C183D7F6-B498-43B3-948B-1728B52AA6E4}">
+                <adec:decorative xmlns:adec="http://schemas.microsoft.com/office/drawing/2017/decorative" val="1"/>
+              </a:ext>
+            </a:extLst>
+          </p:cNvPr>
+          <p:cNvSpPr>
+            <a:spLocks noGrp="1" noRot="1" noChangeAspect="1" noMove="1" noResize="1" noEditPoints="1" noAdjustHandles="1" noChangeArrowheads="1" noChangeShapeType="1" noTextEdit="1"/>
+          </p:cNvSpPr>
+          <p:nvPr>
+            <p:extLst>
+              <p:ext uri="{386F3935-93C4-4BCD-93E2-E3B085C9AB24}">
+                <p16:designElem xmlns:p16="http://schemas.microsoft.com/office/powerpoint/2015/main" val="1"/>
+              </p:ext>
+            </p:extLst>
+          </p:nvPr>
+        </p:nvSpPr>
+        <p:spPr>
+          <a:xfrm>
+            <a:off x="0" y="0"/>
+            <a:ext cx="12192000" cy="6858000"/>
+          </a:xfrm>
+          <a:prstGeom prst="rect">
+            <a:avLst/>
+          </a:prstGeom>
+          <a:ln>
+            <a:noFill/>
+          </a:ln>
+        </p:spPr>
+        <p:style>
+          <a:lnRef idx="2">
+            <a:schemeClr val="accent1">
+              <a:shade val="50000"/>
+            </a:schemeClr>
+          </a:lnRef>
+          <a:fillRef idx="1">
+            <a:schemeClr val="accent1"/>
+          </a:fillRef>
+          <a:effectRef idx="0">
+            <a:schemeClr val="accent1"/>
+          </a:effectRef>
+          <a:fontRef idx="minor">
+            <a:schemeClr val="lt1"/>
+          </a:fontRef>
+        </p:style>
+        <p:txBody>
+          <a:bodyPr rtlCol="0" anchor="ctr"/>
+          <a:lstStyle/>
+          <a:p>
+            <a:pPr algn="ctr"/>
+            <a:endParaRPr lang="en-US"/>
+          </a:p>
+        </p:txBody>
+      </p:sp>
+      <p:pic>
+        <p:nvPicPr>
+          <p:cNvPr id="4" name="Grafik 3" descr="Ein Bild, das Kompositmaterial, Architektur, Gebäude, draußen enthält.&#10;&#10;Automatisch generierte Beschreibung">
+            <a:extLst>
+              <a:ext uri="{FF2B5EF4-FFF2-40B4-BE49-F238E27FC236}">
+                <a16:creationId xmlns:a16="http://schemas.microsoft.com/office/drawing/2014/main" id="{D7140C0C-901C-2968-08D3-74C14EF64A79}"/>
+              </a:ext>
+            </a:extLst>
+          </p:cNvPr>
+          <p:cNvPicPr>
+            <a:picLocks noChangeAspect="1"/>
+          </p:cNvPicPr>
+          <p:nvPr/>
+        </p:nvPicPr>
+        <p:blipFill rotWithShape="1">
+          <a:blip r:embed="rId2">
+            <a:extLst>
+              <a:ext uri="{28A0092B-C50C-407E-A947-70E740481C1C}">
+                <a14:useLocalDpi xmlns:a14="http://schemas.microsoft.com/office/drawing/2010/main" val="0"/>
+              </a:ext>
+            </a:extLst>
+          </a:blip>
+          <a:srcRect t="3208" r="37368" b="5884"/>
+          <a:stretch/>
+        </p:blipFill>
+        <p:spPr>
+          <a:xfrm>
+            <a:off x="3983929" y="-12959"/>
+            <a:ext cx="8208069" cy="7227641"/>
+          </a:xfrm>
+          <a:prstGeom prst="rect">
+            <a:avLst/>
+          </a:prstGeom>
+        </p:spPr>
+      </p:pic>
+      <p:sp>
+        <p:nvSpPr>
+          <p:cNvPr id="11" name="Rectangle 10">
+            <a:extLst>
+              <a:ext uri="{FF2B5EF4-FFF2-40B4-BE49-F238E27FC236}">
+                <a16:creationId xmlns:a16="http://schemas.microsoft.com/office/drawing/2014/main" id="{DD3981AC-7B61-4947-BCF3-F7AA7FA385B9}"/>
+              </a:ext>
+              <a:ext uri="{C183D7F6-B498-43B3-948B-1728B52AA6E4}">
+                <adec:decorative xmlns:adec="http://schemas.microsoft.com/office/drawing/2017/decorative" val="1"/>
+              </a:ext>
+            </a:extLst>
+          </p:cNvPr>
+          <p:cNvSpPr>
+            <a:spLocks noGrp="1" noRot="1" noChangeAspect="1" noMove="1" noResize="1" noEditPoints="1" noAdjustHandles="1" noChangeArrowheads="1" noChangeShapeType="1" noTextEdit="1"/>
+          </p:cNvSpPr>
+          <p:nvPr>
+            <p:extLst>
+              <p:ext uri="{386F3935-93C4-4BCD-93E2-E3B085C9AB24}">
+                <p16:designElem xmlns:p16="http://schemas.microsoft.com/office/powerpoint/2015/main" val="1"/>
+              </p:ext>
+            </p:extLst>
+          </p:nvPr>
+        </p:nvSpPr>
+        <p:spPr>
+          <a:xfrm>
+            <a:off x="2" y="0"/>
+            <a:ext cx="9756601" cy="6858000"/>
+          </a:xfrm>
+          <a:prstGeom prst="rect">
+            <a:avLst/>
+          </a:prstGeom>
+          <a:gradFill>
+            <a:gsLst>
+              <a:gs pos="58000">
+                <a:schemeClr val="tx1"/>
+              </a:gs>
+              <a:gs pos="35000">
+                <a:schemeClr val="tx1">
+                  <a:alpha val="78000"/>
+                </a:schemeClr>
+              </a:gs>
+              <a:gs pos="19000">
+                <a:schemeClr val="tx1">
+                  <a:alpha val="38000"/>
+                </a:schemeClr>
+              </a:gs>
+              <a:gs pos="0">
+                <a:schemeClr val="tx1">
+                  <a:alpha val="0"/>
+                </a:schemeClr>
+              </a:gs>
+              <a:gs pos="100000">
+                <a:schemeClr val="tx1"/>
+              </a:gs>
+            </a:gsLst>
+            <a:lin ang="10800000" scaled="0"/>
+          </a:gradFill>
+          <a:ln>
+            <a:noFill/>
+          </a:ln>
+        </p:spPr>
+        <p:style>
+          <a:lnRef idx="2">
+            <a:schemeClr val="accent1">
+              <a:shade val="50000"/>
+            </a:schemeClr>
+          </a:lnRef>
+          <a:fillRef idx="1">
+            <a:schemeClr val="accent1"/>
+          </a:fillRef>
+          <a:effectRef idx="0">
+            <a:schemeClr val="accent1"/>
+          </a:effectRef>
+          <a:fontRef idx="minor">
+            <a:schemeClr val="lt1"/>
+          </a:fontRef>
+        </p:style>
+        <p:txBody>
+          <a:bodyPr rtlCol="0" anchor="ctr"/>
+          <a:lstStyle/>
+          <a:p>
+            <a:pPr algn="ctr"/>
+            <a:endParaRPr lang="en-US" dirty="0"/>
+          </a:p>
+        </p:txBody>
+      </p:sp>
+      <p:sp>
+        <p:nvSpPr>
+          <p:cNvPr id="2" name="Titel 1">
+            <a:extLst>
+              <a:ext uri="{FF2B5EF4-FFF2-40B4-BE49-F238E27FC236}">
+                <a16:creationId xmlns:a16="http://schemas.microsoft.com/office/drawing/2014/main" id="{1BC4F26C-7D68-DC53-D116-4CBB74CB5113}"/>
+              </a:ext>
+            </a:extLst>
+          </p:cNvPr>
+          <p:cNvSpPr>
+            <a:spLocks noGrp="1"/>
+          </p:cNvSpPr>
+          <p:nvPr>
+            <p:ph type="title"/>
+          </p:nvPr>
+        </p:nvSpPr>
+        <p:spPr>
+          <a:xfrm>
+            <a:off x="371094" y="1161288"/>
+            <a:ext cx="3438144" cy="1124712"/>
+          </a:xfrm>
+        </p:spPr>
+        <p:txBody>
+          <a:bodyPr anchor="b">
+            <a:normAutofit/>
+          </a:bodyPr>
+          <a:lstStyle/>
+          <a:p>
+            <a:r>
+              <a:rPr lang="en-GB" sz="2800" dirty="0">
+                <a:solidFill>
+                  <a:schemeClr val="bg1"/>
+                </a:solidFill>
+              </a:rPr>
+              <a:t>The Goal –</a:t>
+            </a:r>
+            <a:br>
+              <a:rPr lang="en-GB" sz="2800" dirty="0">
+                <a:solidFill>
+                  <a:schemeClr val="bg1"/>
+                </a:solidFill>
+              </a:rPr>
+            </a:br>
+            <a:r>
+              <a:rPr lang="en-GB" sz="2200" dirty="0">
+                <a:solidFill>
+                  <a:schemeClr val="bg1"/>
+                </a:solidFill>
+              </a:rPr>
+              <a:t>2 Level Predictive </a:t>
+            </a:r>
+            <a:r>
+              <a:rPr lang="en-GB" sz="2200" dirty="0" err="1">
+                <a:solidFill>
+                  <a:schemeClr val="bg1"/>
+                </a:solidFill>
+              </a:rPr>
+              <a:t>Modeling</a:t>
+            </a:r>
+            <a:endParaRPr lang="en-GB" sz="2200" dirty="0">
+              <a:solidFill>
+                <a:schemeClr val="bg1"/>
+              </a:solidFill>
+            </a:endParaRPr>
+          </a:p>
+        </p:txBody>
+      </p:sp>
+      <p:sp>
+        <p:nvSpPr>
+          <p:cNvPr id="13" name="Rectangle 12">
+            <a:extLst>
+              <a:ext uri="{FF2B5EF4-FFF2-40B4-BE49-F238E27FC236}">
+                <a16:creationId xmlns:a16="http://schemas.microsoft.com/office/drawing/2014/main" id="{55D4142C-5077-457F-A6AD-3FECFDB39685}"/>
+              </a:ext>
+              <a:ext uri="{C183D7F6-B498-43B3-948B-1728B52AA6E4}">
+                <adec:decorative xmlns:adec="http://schemas.microsoft.com/office/drawing/2017/decorative" val="1"/>
+              </a:ext>
+            </a:extLst>
+          </p:cNvPr>
+          <p:cNvSpPr>
+            <a:spLocks noGrp="1" noRot="1" noChangeAspect="1" noMove="1" noResize="1" noEditPoints="1" noAdjustHandles="1" noChangeArrowheads="1" noChangeShapeType="1" noTextEdit="1"/>
+          </p:cNvSpPr>
+          <p:nvPr>
+            <p:extLst>
+              <p:ext uri="{386F3935-93C4-4BCD-93E2-E3B085C9AB24}">
+                <p16:designElem xmlns:p16="http://schemas.microsoft.com/office/powerpoint/2015/main" val="1"/>
+              </p:ext>
+            </p:extLst>
+          </p:nvPr>
+        </p:nvSpPr>
+        <p:spPr>
+          <a:xfrm rot="5400000">
+            <a:off x="662559" y="605790"/>
+            <a:ext cx="73152" cy="548640"/>
+          </a:xfrm>
+          <a:prstGeom prst="rect">
+            <a:avLst/>
+          </a:prstGeom>
+          <a:solidFill>
+            <a:schemeClr val="accent2"/>
+          </a:solidFill>
+          <a:ln>
+            <a:noFill/>
+          </a:ln>
+        </p:spPr>
+        <p:style>
+          <a:lnRef idx="2">
+            <a:schemeClr val="accent1">
+              <a:shade val="50000"/>
+            </a:schemeClr>
+          </a:lnRef>
+          <a:fillRef idx="1">
+            <a:schemeClr val="accent1"/>
+          </a:fillRef>
+          <a:effectRef idx="0">
+            <a:schemeClr val="accent1"/>
+          </a:effectRef>
+          <a:fontRef idx="minor">
+            <a:schemeClr val="lt1"/>
+          </a:fontRef>
+        </p:style>
+        <p:txBody>
+          <a:bodyPr rtlCol="0" anchor="ctr"/>
+          <a:lstStyle/>
+          <a:p>
+            <a:pPr algn="ctr"/>
+            <a:endParaRPr lang="en-US">
+              <a:solidFill>
+                <a:prstClr val="white"/>
+              </a:solidFill>
+              <a:latin typeface="Calibri" panose="020F0502020204030204"/>
+            </a:endParaRPr>
+          </a:p>
+        </p:txBody>
+      </p:sp>
+      <p:sp>
+        <p:nvSpPr>
+          <p:cNvPr id="15" name="Rectangle 14">
+            <a:extLst>
+              <a:ext uri="{FF2B5EF4-FFF2-40B4-BE49-F238E27FC236}">
+                <a16:creationId xmlns:a16="http://schemas.microsoft.com/office/drawing/2014/main" id="{7A5F0580-5EE9-419F-96EE-B6529EF6E7D0}"/>
+              </a:ext>
+              <a:ext uri="{C183D7F6-B498-43B3-948B-1728B52AA6E4}">
+                <adec:decorative xmlns:adec="http://schemas.microsoft.com/office/drawing/2017/decorative" val="1"/>
+              </a:ext>
+            </a:extLst>
+          </p:cNvPr>
+          <p:cNvSpPr>
+            <a:spLocks noGrp="1" noRot="1" noChangeAspect="1" noMove="1" noResize="1" noEditPoints="1" noAdjustHandles="1" noChangeArrowheads="1" noChangeShapeType="1" noTextEdit="1"/>
+          </p:cNvSpPr>
+          <p:nvPr>
+            <p:extLst>
+              <p:ext uri="{386F3935-93C4-4BCD-93E2-E3B085C9AB24}">
+                <p16:designElem xmlns:p16="http://schemas.microsoft.com/office/powerpoint/2015/main" val="1"/>
+              </p:ext>
+            </p:extLst>
+          </p:nvPr>
+        </p:nvSpPr>
+        <p:spPr>
+          <a:xfrm>
+            <a:off x="428244" y="2443480"/>
+            <a:ext cx="3300984" cy="9144"/>
+          </a:xfrm>
+          <a:prstGeom prst="rect">
+            <a:avLst/>
+          </a:prstGeom>
+          <a:solidFill>
+            <a:schemeClr val="tx1"/>
+          </a:solidFill>
+          <a:ln w="3175">
+            <a:solidFill>
+              <a:schemeClr val="bg1"/>
+            </a:solidFill>
+          </a:ln>
+          <a:effectLst/>
+        </p:spPr>
+        <p:style>
+          <a:lnRef idx="2">
+            <a:schemeClr val="accent1">
+              <a:shade val="50000"/>
+            </a:schemeClr>
+          </a:lnRef>
+          <a:fillRef idx="1">
+            <a:schemeClr val="accent1"/>
+          </a:fillRef>
+          <a:effectRef idx="0">
+            <a:schemeClr val="accent1"/>
+          </a:effectRef>
+          <a:fontRef idx="minor">
+            <a:schemeClr val="lt1"/>
+          </a:fontRef>
+        </p:style>
+        <p:txBody>
+          <a:bodyPr rtlCol="0" anchor="ctr"/>
+          <a:lstStyle/>
+          <a:p>
+            <a:pPr marL="0" marR="0" lvl="0" indent="0" algn="ctr" defTabSz="914400" rtl="0" eaLnBrk="1" fontAlgn="auto" latinLnBrk="0" hangingPunct="1">
+              <a:lnSpc>
+                <a:spcPct val="100000"/>
+              </a:lnSpc>
+              <a:spcBef>
+                <a:spcPts val="0"/>
+              </a:spcBef>
+              <a:spcAft>
+                <a:spcPts val="0"/>
+              </a:spcAft>
+              <a:buClrTx/>
+              <a:buSzTx/>
+              <a:buFontTx/>
+              <a:buNone/>
+              <a:tabLst/>
+              <a:defRPr/>
+            </a:pPr>
+            <a:endParaRPr kumimoji="0" lang="en-US" sz="1800" b="0" i="0" u="none" strike="noStrike" kern="1200" cap="none" spc="0" normalizeH="0" baseline="0" noProof="0">
+              <a:ln>
+                <a:noFill/>
+              </a:ln>
+              <a:solidFill>
+                <a:prstClr val="white"/>
+              </a:solidFill>
+              <a:effectLst/>
+              <a:uLnTx/>
+              <a:uFillTx/>
+              <a:latin typeface="Calibri" panose="020F0502020204030204"/>
+              <a:ea typeface="+mn-ea"/>
+              <a:cs typeface="+mn-cs"/>
+            </a:endParaRPr>
+          </a:p>
+        </p:txBody>
+      </p:sp>
+      <p:sp>
+        <p:nvSpPr>
+          <p:cNvPr id="3" name="Inhaltsplatzhalter 2">
+            <a:extLst>
+              <a:ext uri="{FF2B5EF4-FFF2-40B4-BE49-F238E27FC236}">
+                <a16:creationId xmlns:a16="http://schemas.microsoft.com/office/drawing/2014/main" id="{90DD08B1-174F-1EF0-0B04-EF24A253DB3C}"/>
+              </a:ext>
+            </a:extLst>
+          </p:cNvPr>
+          <p:cNvSpPr>
+            <a:spLocks noGrp="1"/>
+          </p:cNvSpPr>
+          <p:nvPr>
+            <p:ph idx="1"/>
+          </p:nvPr>
+        </p:nvSpPr>
+        <p:spPr>
+          <a:xfrm>
+            <a:off x="371094" y="2718054"/>
             <a:ext cx="3661410" cy="3959732"/>
           </a:xfrm>
         </p:spPr>
@@ -4882,7 +6379,7 @@
 </p:sld>
 </file>
 
-<file path=ppt/slides/slide4.xml><?xml version="1.0" encoding="utf-8"?>
+<file path=ppt/slides/slide5.xml><?xml version="1.0" encoding="utf-8"?>
 <p:sld xmlns:a="http://schemas.openxmlformats.org/drawingml/2006/main" xmlns:r="http://schemas.openxmlformats.org/officeDocument/2006/relationships" xmlns:p="http://schemas.openxmlformats.org/presentationml/2006/main">
   <p:cSld>
     <p:bg>
@@ -6735,7 +8232,7 @@
 </p:sld>
 </file>
 
-<file path=ppt/slides/slide5.xml><?xml version="1.0" encoding="utf-8"?>
+<file path=ppt/slides/slide6.xml><?xml version="1.0" encoding="utf-8"?>
 <p:sld xmlns:a="http://schemas.openxmlformats.org/drawingml/2006/main" xmlns:r="http://schemas.openxmlformats.org/officeDocument/2006/relationships" xmlns:p="http://schemas.openxmlformats.org/presentationml/2006/main">
   <p:cSld>
     <p:bg>
@@ -7969,7 +9466,7 @@
 </p:sld>
 </file>
 
-<file path=ppt/slides/slide6.xml><?xml version="1.0" encoding="utf-8"?>
+<file path=ppt/slides/slide7.xml><?xml version="1.0" encoding="utf-8"?>
 <p:sld xmlns:a="http://schemas.openxmlformats.org/drawingml/2006/main" xmlns:r="http://schemas.openxmlformats.org/officeDocument/2006/relationships" xmlns:p="http://schemas.openxmlformats.org/presentationml/2006/main">
   <p:cSld>
     <p:bg>
@@ -9431,7 +10928,7 @@
 </p:sld>
 </file>
 
-<file path=ppt/slides/slide7.xml><?xml version="1.0" encoding="utf-8"?>
+<file path=ppt/slides/slide8.xml><?xml version="1.0" encoding="utf-8"?>
 <p:sld xmlns:a="http://schemas.openxmlformats.org/drawingml/2006/main" xmlns:r="http://schemas.openxmlformats.org/officeDocument/2006/relationships" xmlns:p="http://schemas.openxmlformats.org/presentationml/2006/main">
   <p:cSld>
     <p:bg>
@@ -10369,7 +11866,7 @@
 </p:sld>
 </file>
 
-<file path=ppt/slides/slide8.xml><?xml version="1.0" encoding="utf-8"?>
+<file path=ppt/slides/slide9.xml><?xml version="1.0" encoding="utf-8"?>
 <p:sld xmlns:a="http://schemas.openxmlformats.org/drawingml/2006/main" xmlns:r="http://schemas.openxmlformats.org/officeDocument/2006/relationships" xmlns:p="http://schemas.openxmlformats.org/presentationml/2006/main">
   <p:cSld>
     <p:bg>
@@ -11434,1020 +12931,6 @@
     <p:extLst>
       <p:ext uri="{BB962C8B-B14F-4D97-AF65-F5344CB8AC3E}">
         <p14:creationId xmlns:p14="http://schemas.microsoft.com/office/powerpoint/2010/main" val="2820779446"/>
-      </p:ext>
-    </p:extLst>
-  </p:cSld>
-  <p:clrMapOvr>
-    <a:masterClrMapping/>
-  </p:clrMapOvr>
-</p:sld>
-</file>
-
-<file path=ppt/slides/slide9.xml><?xml version="1.0" encoding="utf-8"?>
-<p:sld xmlns:a="http://schemas.openxmlformats.org/drawingml/2006/main" xmlns:r="http://schemas.openxmlformats.org/officeDocument/2006/relationships" xmlns:p="http://schemas.openxmlformats.org/presentationml/2006/main">
-  <p:cSld>
-    <p:bg>
-      <p:bgPr>
-        <a:solidFill>
-          <a:schemeClr val="bg1"/>
-        </a:solidFill>
-        <a:effectLst/>
-      </p:bgPr>
-    </p:bg>
-    <p:spTree>
-      <p:nvGrpSpPr>
-        <p:cNvPr id="1" name=""/>
-        <p:cNvGrpSpPr/>
-        <p:nvPr/>
-      </p:nvGrpSpPr>
-      <p:grpSpPr>
-        <a:xfrm>
-          <a:off x="0" y="0"/>
-          <a:ext cx="0" cy="0"/>
-          <a:chOff x="0" y="0"/>
-          <a:chExt cx="0" cy="0"/>
-        </a:xfrm>
-      </p:grpSpPr>
-      <p:sp useBgFill="1">
-        <p:nvSpPr>
-          <p:cNvPr id="9" name="Rectangle 8">
-            <a:extLst>
-              <a:ext uri="{FF2B5EF4-FFF2-40B4-BE49-F238E27FC236}">
-                <a16:creationId xmlns:a16="http://schemas.microsoft.com/office/drawing/2014/main" id="{9AA72BD9-2C5A-4EDC-931F-5AA08EACA0F3}"/>
-              </a:ext>
-              <a:ext uri="{C183D7F6-B498-43B3-948B-1728B52AA6E4}">
-                <adec:decorative xmlns:adec="http://schemas.microsoft.com/office/drawing/2017/decorative" val="1"/>
-              </a:ext>
-            </a:extLst>
-          </p:cNvPr>
-          <p:cNvSpPr>
-            <a:spLocks noGrp="1" noRot="1" noChangeAspect="1" noMove="1" noResize="1" noEditPoints="1" noAdjustHandles="1" noChangeArrowheads="1" noChangeShapeType="1" noTextEdit="1"/>
-          </p:cNvSpPr>
-          <p:nvPr>
-            <p:extLst>
-              <p:ext uri="{386F3935-93C4-4BCD-93E2-E3B085C9AB24}">
-                <p16:designElem xmlns:p16="http://schemas.microsoft.com/office/powerpoint/2015/main" val="1"/>
-              </p:ext>
-            </p:extLst>
-          </p:nvPr>
-        </p:nvSpPr>
-        <p:spPr>
-          <a:xfrm>
-            <a:off x="0" y="0"/>
-            <a:ext cx="12192000" cy="6858000"/>
-          </a:xfrm>
-          <a:prstGeom prst="rect">
-            <a:avLst/>
-          </a:prstGeom>
-          <a:ln>
-            <a:noFill/>
-          </a:ln>
-        </p:spPr>
-        <p:style>
-          <a:lnRef idx="2">
-            <a:schemeClr val="accent1">
-              <a:shade val="50000"/>
-            </a:schemeClr>
-          </a:lnRef>
-          <a:fillRef idx="1">
-            <a:schemeClr val="accent1"/>
-          </a:fillRef>
-          <a:effectRef idx="0">
-            <a:schemeClr val="accent1"/>
-          </a:effectRef>
-          <a:fontRef idx="minor">
-            <a:schemeClr val="lt1"/>
-          </a:fontRef>
-        </p:style>
-        <p:txBody>
-          <a:bodyPr rtlCol="0" anchor="ctr"/>
-          <a:lstStyle/>
-          <a:p>
-            <a:pPr algn="ctr"/>
-            <a:endParaRPr lang="en-US"/>
-          </a:p>
-        </p:txBody>
-      </p:sp>
-      <p:pic>
-        <p:nvPicPr>
-          <p:cNvPr id="4" name="Grafik 3" descr="Ein Bild, das Kompositmaterial, Architektur, Gebäude, draußen enthält.&#10;&#10;Automatisch generierte Beschreibung">
-            <a:extLst>
-              <a:ext uri="{FF2B5EF4-FFF2-40B4-BE49-F238E27FC236}">
-                <a16:creationId xmlns:a16="http://schemas.microsoft.com/office/drawing/2014/main" id="{D7140C0C-901C-2968-08D3-74C14EF64A79}"/>
-              </a:ext>
-            </a:extLst>
-          </p:cNvPr>
-          <p:cNvPicPr>
-            <a:picLocks noChangeAspect="1"/>
-          </p:cNvPicPr>
-          <p:nvPr/>
-        </p:nvPicPr>
-        <p:blipFill rotWithShape="1">
-          <a:blip r:embed="rId2">
-            <a:extLst>
-              <a:ext uri="{28A0092B-C50C-407E-A947-70E740481C1C}">
-                <a14:useLocalDpi xmlns:a14="http://schemas.microsoft.com/office/drawing/2010/main" val="0"/>
-              </a:ext>
-            </a:extLst>
-          </a:blip>
-          <a:srcRect t="3208" r="37368" b="5884"/>
-          <a:stretch/>
-        </p:blipFill>
-        <p:spPr>
-          <a:xfrm>
-            <a:off x="3983929" y="-12959"/>
-            <a:ext cx="8208069" cy="7227641"/>
-          </a:xfrm>
-          <a:prstGeom prst="rect">
-            <a:avLst/>
-          </a:prstGeom>
-        </p:spPr>
-      </p:pic>
-      <p:sp>
-        <p:nvSpPr>
-          <p:cNvPr id="11" name="Rectangle 10">
-            <a:extLst>
-              <a:ext uri="{FF2B5EF4-FFF2-40B4-BE49-F238E27FC236}">
-                <a16:creationId xmlns:a16="http://schemas.microsoft.com/office/drawing/2014/main" id="{DD3981AC-7B61-4947-BCF3-F7AA7FA385B9}"/>
-              </a:ext>
-              <a:ext uri="{C183D7F6-B498-43B3-948B-1728B52AA6E4}">
-                <adec:decorative xmlns:adec="http://schemas.microsoft.com/office/drawing/2017/decorative" val="1"/>
-              </a:ext>
-            </a:extLst>
-          </p:cNvPr>
-          <p:cNvSpPr>
-            <a:spLocks noGrp="1" noRot="1" noChangeAspect="1" noMove="1" noResize="1" noEditPoints="1" noAdjustHandles="1" noChangeArrowheads="1" noChangeShapeType="1" noTextEdit="1"/>
-          </p:cNvSpPr>
-          <p:nvPr>
-            <p:extLst>
-              <p:ext uri="{386F3935-93C4-4BCD-93E2-E3B085C9AB24}">
-                <p16:designElem xmlns:p16="http://schemas.microsoft.com/office/powerpoint/2015/main" val="1"/>
-              </p:ext>
-            </p:extLst>
-          </p:nvPr>
-        </p:nvSpPr>
-        <p:spPr>
-          <a:xfrm>
-            <a:off x="2" y="0"/>
-            <a:ext cx="9756601" cy="6858000"/>
-          </a:xfrm>
-          <a:prstGeom prst="rect">
-            <a:avLst/>
-          </a:prstGeom>
-          <a:gradFill>
-            <a:gsLst>
-              <a:gs pos="58000">
-                <a:schemeClr val="tx1"/>
-              </a:gs>
-              <a:gs pos="35000">
-                <a:schemeClr val="tx1">
-                  <a:alpha val="78000"/>
-                </a:schemeClr>
-              </a:gs>
-              <a:gs pos="19000">
-                <a:schemeClr val="tx1">
-                  <a:alpha val="38000"/>
-                </a:schemeClr>
-              </a:gs>
-              <a:gs pos="0">
-                <a:schemeClr val="tx1">
-                  <a:alpha val="0"/>
-                </a:schemeClr>
-              </a:gs>
-              <a:gs pos="100000">
-                <a:schemeClr val="tx1"/>
-              </a:gs>
-            </a:gsLst>
-            <a:lin ang="10800000" scaled="0"/>
-          </a:gradFill>
-          <a:ln>
-            <a:noFill/>
-          </a:ln>
-        </p:spPr>
-        <p:style>
-          <a:lnRef idx="2">
-            <a:schemeClr val="accent1">
-              <a:shade val="50000"/>
-            </a:schemeClr>
-          </a:lnRef>
-          <a:fillRef idx="1">
-            <a:schemeClr val="accent1"/>
-          </a:fillRef>
-          <a:effectRef idx="0">
-            <a:schemeClr val="accent1"/>
-          </a:effectRef>
-          <a:fontRef idx="minor">
-            <a:schemeClr val="lt1"/>
-          </a:fontRef>
-        </p:style>
-        <p:txBody>
-          <a:bodyPr rtlCol="0" anchor="ctr"/>
-          <a:lstStyle/>
-          <a:p>
-            <a:pPr algn="ctr"/>
-            <a:endParaRPr lang="en-US" dirty="0"/>
-          </a:p>
-        </p:txBody>
-      </p:sp>
-      <p:sp>
-        <p:nvSpPr>
-          <p:cNvPr id="2" name="Titel 1">
-            <a:extLst>
-              <a:ext uri="{FF2B5EF4-FFF2-40B4-BE49-F238E27FC236}">
-                <a16:creationId xmlns:a16="http://schemas.microsoft.com/office/drawing/2014/main" id="{1BC4F26C-7D68-DC53-D116-4CBB74CB5113}"/>
-              </a:ext>
-            </a:extLst>
-          </p:cNvPr>
-          <p:cNvSpPr>
-            <a:spLocks noGrp="1"/>
-          </p:cNvSpPr>
-          <p:nvPr>
-            <p:ph type="title"/>
-          </p:nvPr>
-        </p:nvSpPr>
-        <p:spPr>
-          <a:xfrm>
-            <a:off x="371094" y="1161288"/>
-            <a:ext cx="3438144" cy="1124712"/>
-          </a:xfrm>
-        </p:spPr>
-        <p:txBody>
-          <a:bodyPr anchor="b">
-            <a:normAutofit/>
-          </a:bodyPr>
-          <a:lstStyle/>
-          <a:p>
-            <a:r>
-              <a:rPr lang="en-GB" sz="2800" dirty="0">
-                <a:solidFill>
-                  <a:schemeClr val="bg1"/>
-                </a:solidFill>
-              </a:rPr>
-              <a:t>The Models</a:t>
-            </a:r>
-            <a:endParaRPr lang="en-GB" sz="2200" dirty="0">
-              <a:solidFill>
-                <a:schemeClr val="bg1"/>
-              </a:solidFill>
-            </a:endParaRPr>
-          </a:p>
-        </p:txBody>
-      </p:sp>
-      <p:sp>
-        <p:nvSpPr>
-          <p:cNvPr id="13" name="Rectangle 12">
-            <a:extLst>
-              <a:ext uri="{FF2B5EF4-FFF2-40B4-BE49-F238E27FC236}">
-                <a16:creationId xmlns:a16="http://schemas.microsoft.com/office/drawing/2014/main" id="{55D4142C-5077-457F-A6AD-3FECFDB39685}"/>
-              </a:ext>
-              <a:ext uri="{C183D7F6-B498-43B3-948B-1728B52AA6E4}">
-                <adec:decorative xmlns:adec="http://schemas.microsoft.com/office/drawing/2017/decorative" val="1"/>
-              </a:ext>
-            </a:extLst>
-          </p:cNvPr>
-          <p:cNvSpPr>
-            <a:spLocks noGrp="1" noRot="1" noChangeAspect="1" noMove="1" noResize="1" noEditPoints="1" noAdjustHandles="1" noChangeArrowheads="1" noChangeShapeType="1" noTextEdit="1"/>
-          </p:cNvSpPr>
-          <p:nvPr>
-            <p:extLst>
-              <p:ext uri="{386F3935-93C4-4BCD-93E2-E3B085C9AB24}">
-                <p16:designElem xmlns:p16="http://schemas.microsoft.com/office/powerpoint/2015/main" val="1"/>
-              </p:ext>
-            </p:extLst>
-          </p:nvPr>
-        </p:nvSpPr>
-        <p:spPr>
-          <a:xfrm rot="5400000">
-            <a:off x="662559" y="605790"/>
-            <a:ext cx="73152" cy="548640"/>
-          </a:xfrm>
-          <a:prstGeom prst="rect">
-            <a:avLst/>
-          </a:prstGeom>
-          <a:solidFill>
-            <a:schemeClr val="accent2"/>
-          </a:solidFill>
-          <a:ln>
-            <a:noFill/>
-          </a:ln>
-        </p:spPr>
-        <p:style>
-          <a:lnRef idx="2">
-            <a:schemeClr val="accent1">
-              <a:shade val="50000"/>
-            </a:schemeClr>
-          </a:lnRef>
-          <a:fillRef idx="1">
-            <a:schemeClr val="accent1"/>
-          </a:fillRef>
-          <a:effectRef idx="0">
-            <a:schemeClr val="accent1"/>
-          </a:effectRef>
-          <a:fontRef idx="minor">
-            <a:schemeClr val="lt1"/>
-          </a:fontRef>
-        </p:style>
-        <p:txBody>
-          <a:bodyPr rtlCol="0" anchor="ctr"/>
-          <a:lstStyle/>
-          <a:p>
-            <a:pPr algn="ctr"/>
-            <a:endParaRPr lang="en-US">
-              <a:solidFill>
-                <a:prstClr val="white"/>
-              </a:solidFill>
-              <a:latin typeface="Calibri" panose="020F0502020204030204"/>
-            </a:endParaRPr>
-          </a:p>
-        </p:txBody>
-      </p:sp>
-      <p:sp>
-        <p:nvSpPr>
-          <p:cNvPr id="15" name="Rectangle 14">
-            <a:extLst>
-              <a:ext uri="{FF2B5EF4-FFF2-40B4-BE49-F238E27FC236}">
-                <a16:creationId xmlns:a16="http://schemas.microsoft.com/office/drawing/2014/main" id="{7A5F0580-5EE9-419F-96EE-B6529EF6E7D0}"/>
-              </a:ext>
-              <a:ext uri="{C183D7F6-B498-43B3-948B-1728B52AA6E4}">
-                <adec:decorative xmlns:adec="http://schemas.microsoft.com/office/drawing/2017/decorative" val="1"/>
-              </a:ext>
-            </a:extLst>
-          </p:cNvPr>
-          <p:cNvSpPr>
-            <a:spLocks noGrp="1" noRot="1" noChangeAspect="1" noMove="1" noResize="1" noEditPoints="1" noAdjustHandles="1" noChangeArrowheads="1" noChangeShapeType="1" noTextEdit="1"/>
-          </p:cNvSpPr>
-          <p:nvPr>
-            <p:extLst>
-              <p:ext uri="{386F3935-93C4-4BCD-93E2-E3B085C9AB24}">
-                <p16:designElem xmlns:p16="http://schemas.microsoft.com/office/powerpoint/2015/main" val="1"/>
-              </p:ext>
-            </p:extLst>
-          </p:nvPr>
-        </p:nvSpPr>
-        <p:spPr>
-          <a:xfrm>
-            <a:off x="428244" y="2443480"/>
-            <a:ext cx="3300984" cy="9144"/>
-          </a:xfrm>
-          <a:prstGeom prst="rect">
-            <a:avLst/>
-          </a:prstGeom>
-          <a:solidFill>
-            <a:schemeClr val="tx1"/>
-          </a:solidFill>
-          <a:ln w="3175">
-            <a:solidFill>
-              <a:schemeClr val="bg1"/>
-            </a:solidFill>
-          </a:ln>
-          <a:effectLst/>
-        </p:spPr>
-        <p:style>
-          <a:lnRef idx="2">
-            <a:schemeClr val="accent1">
-              <a:shade val="50000"/>
-            </a:schemeClr>
-          </a:lnRef>
-          <a:fillRef idx="1">
-            <a:schemeClr val="accent1"/>
-          </a:fillRef>
-          <a:effectRef idx="0">
-            <a:schemeClr val="accent1"/>
-          </a:effectRef>
-          <a:fontRef idx="minor">
-            <a:schemeClr val="lt1"/>
-          </a:fontRef>
-        </p:style>
-        <p:txBody>
-          <a:bodyPr rtlCol="0" anchor="ctr"/>
-          <a:lstStyle/>
-          <a:p>
-            <a:pPr marL="0" marR="0" lvl="0" indent="0" algn="ctr" defTabSz="914400" rtl="0" eaLnBrk="1" fontAlgn="auto" latinLnBrk="0" hangingPunct="1">
-              <a:lnSpc>
-                <a:spcPct val="100000"/>
-              </a:lnSpc>
-              <a:spcBef>
-                <a:spcPts val="0"/>
-              </a:spcBef>
-              <a:spcAft>
-                <a:spcPts val="0"/>
-              </a:spcAft>
-              <a:buClrTx/>
-              <a:buSzTx/>
-              <a:buFontTx/>
-              <a:buNone/>
-              <a:tabLst/>
-              <a:defRPr/>
-            </a:pPr>
-            <a:endParaRPr kumimoji="0" lang="en-US" sz="1800" b="0" i="0" u="none" strike="noStrike" kern="1200" cap="none" spc="0" normalizeH="0" baseline="0" noProof="0">
-              <a:ln>
-                <a:noFill/>
-              </a:ln>
-              <a:solidFill>
-                <a:prstClr val="white"/>
-              </a:solidFill>
-              <a:effectLst/>
-              <a:uLnTx/>
-              <a:uFillTx/>
-              <a:latin typeface="Calibri" panose="020F0502020204030204"/>
-              <a:ea typeface="+mn-ea"/>
-              <a:cs typeface="+mn-cs"/>
-            </a:endParaRPr>
-          </a:p>
-        </p:txBody>
-      </p:sp>
-      <p:sp>
-        <p:nvSpPr>
-          <p:cNvPr id="3" name="Inhaltsplatzhalter 2">
-            <a:extLst>
-              <a:ext uri="{FF2B5EF4-FFF2-40B4-BE49-F238E27FC236}">
-                <a16:creationId xmlns:a16="http://schemas.microsoft.com/office/drawing/2014/main" id="{90DD08B1-174F-1EF0-0B04-EF24A253DB3C}"/>
-              </a:ext>
-            </a:extLst>
-          </p:cNvPr>
-          <p:cNvSpPr>
-            <a:spLocks noGrp="1"/>
-          </p:cNvSpPr>
-          <p:nvPr>
-            <p:ph idx="1"/>
-          </p:nvPr>
-        </p:nvSpPr>
-        <p:spPr>
-          <a:xfrm>
-            <a:off x="371094" y="2718054"/>
-            <a:ext cx="3661410" cy="3198114"/>
-          </a:xfrm>
-        </p:spPr>
-        <p:txBody>
-          <a:bodyPr anchor="t">
-            <a:normAutofit/>
-          </a:bodyPr>
-          <a:lstStyle/>
-          <a:p>
-            <a:pPr>
-              <a:buFontTx/>
-              <a:buChar char="-"/>
-            </a:pPr>
-            <a:r>
-              <a:rPr lang="de-CH" sz="1700" dirty="0" err="1">
-                <a:solidFill>
-                  <a:schemeClr val="bg1"/>
-                </a:solidFill>
-              </a:rPr>
-              <a:t>Suggests</a:t>
-            </a:r>
-            <a:r>
-              <a:rPr lang="de-CH" sz="1700" dirty="0">
-                <a:solidFill>
-                  <a:schemeClr val="bg1"/>
-                </a:solidFill>
-              </a:rPr>
-              <a:t> </a:t>
-            </a:r>
-            <a:r>
-              <a:rPr lang="de-CH" sz="1700" dirty="0" err="1">
-                <a:solidFill>
-                  <a:schemeClr val="bg1"/>
-                </a:solidFill>
-              </a:rPr>
-              <a:t>dimensionality</a:t>
-            </a:r>
-            <a:r>
-              <a:rPr lang="de-CH" sz="1700" dirty="0">
-                <a:solidFill>
-                  <a:schemeClr val="bg1"/>
-                </a:solidFill>
-              </a:rPr>
-              <a:t> </a:t>
-            </a:r>
-            <a:r>
-              <a:rPr lang="de-CH" sz="1700" dirty="0" err="1">
-                <a:solidFill>
-                  <a:schemeClr val="bg1"/>
-                </a:solidFill>
-              </a:rPr>
-              <a:t>reduction</a:t>
-            </a:r>
-            <a:r>
-              <a:rPr lang="de-CH" sz="1700" dirty="0">
-                <a:solidFill>
-                  <a:schemeClr val="bg1"/>
-                </a:solidFill>
-              </a:rPr>
-              <a:t> </a:t>
-            </a:r>
-            <a:r>
-              <a:rPr lang="de-CH" sz="1700" dirty="0" err="1">
-                <a:solidFill>
-                  <a:schemeClr val="bg1"/>
-                </a:solidFill>
-              </a:rPr>
-              <a:t>to</a:t>
-            </a:r>
-            <a:r>
-              <a:rPr lang="de-CH" sz="1700" dirty="0">
-                <a:solidFill>
-                  <a:schemeClr val="bg1"/>
-                </a:solidFill>
-              </a:rPr>
-              <a:t> 4 </a:t>
-            </a:r>
-            <a:r>
-              <a:rPr lang="de-CH" sz="1700" dirty="0" err="1">
-                <a:solidFill>
-                  <a:schemeClr val="bg1"/>
-                </a:solidFill>
-              </a:rPr>
-              <a:t>or</a:t>
-            </a:r>
-            <a:r>
-              <a:rPr lang="de-CH" sz="1700" dirty="0">
-                <a:solidFill>
-                  <a:schemeClr val="bg1"/>
-                </a:solidFill>
-              </a:rPr>
-              <a:t> 5 </a:t>
-            </a:r>
-            <a:r>
-              <a:rPr lang="de-CH" sz="1700" dirty="0" err="1">
-                <a:solidFill>
-                  <a:schemeClr val="bg1"/>
-                </a:solidFill>
-              </a:rPr>
-              <a:t>principal</a:t>
-            </a:r>
-            <a:r>
-              <a:rPr lang="de-CH" sz="1700" dirty="0">
-                <a:solidFill>
-                  <a:schemeClr val="bg1"/>
-                </a:solidFill>
-              </a:rPr>
-              <a:t> </a:t>
-            </a:r>
-            <a:r>
-              <a:rPr lang="de-CH" sz="1700" dirty="0" err="1">
-                <a:solidFill>
-                  <a:schemeClr val="bg1"/>
-                </a:solidFill>
-              </a:rPr>
-              <a:t>components</a:t>
-            </a:r>
-            <a:endParaRPr lang="de-CH" sz="1700" dirty="0">
-              <a:solidFill>
-                <a:schemeClr val="bg1"/>
-              </a:solidFill>
-            </a:endParaRPr>
-          </a:p>
-          <a:p>
-            <a:pPr>
-              <a:buFontTx/>
-              <a:buChar char="-"/>
-            </a:pPr>
-            <a:r>
-              <a:rPr lang="de-CH" sz="1700" dirty="0">
-                <a:solidFill>
-                  <a:schemeClr val="bg1"/>
-                </a:solidFill>
-              </a:rPr>
-              <a:t>Due </a:t>
-            </a:r>
-            <a:r>
-              <a:rPr lang="de-CH" sz="1700" dirty="0" err="1">
-                <a:solidFill>
-                  <a:schemeClr val="bg1"/>
-                </a:solidFill>
-              </a:rPr>
-              <a:t>to</a:t>
-            </a:r>
-            <a:r>
-              <a:rPr lang="de-CH" sz="1700" dirty="0">
-                <a:solidFill>
-                  <a:schemeClr val="bg1"/>
-                </a:solidFill>
-              </a:rPr>
-              <a:t> </a:t>
-            </a:r>
-            <a:r>
-              <a:rPr lang="de-CH" sz="1700" dirty="0" err="1">
-                <a:solidFill>
-                  <a:schemeClr val="bg1"/>
-                </a:solidFill>
-              </a:rPr>
-              <a:t>the</a:t>
-            </a:r>
-            <a:r>
-              <a:rPr lang="de-CH" sz="1700" dirty="0">
-                <a:solidFill>
-                  <a:schemeClr val="bg1"/>
-                </a:solidFill>
-              </a:rPr>
-              <a:t> </a:t>
-            </a:r>
-            <a:r>
-              <a:rPr lang="de-CH" sz="1700" dirty="0" err="1">
-                <a:solidFill>
-                  <a:schemeClr val="bg1"/>
-                </a:solidFill>
-              </a:rPr>
-              <a:t>relatively</a:t>
-            </a:r>
-            <a:r>
-              <a:rPr lang="de-CH" sz="1700" dirty="0">
-                <a:solidFill>
-                  <a:schemeClr val="bg1"/>
-                </a:solidFill>
-              </a:rPr>
-              <a:t> </a:t>
-            </a:r>
-            <a:r>
-              <a:rPr lang="de-CH" sz="1700" dirty="0" err="1">
-                <a:solidFill>
-                  <a:schemeClr val="bg1"/>
-                </a:solidFill>
-              </a:rPr>
-              <a:t>small</a:t>
-            </a:r>
-            <a:r>
-              <a:rPr lang="de-CH" sz="1700" dirty="0">
-                <a:solidFill>
-                  <a:schemeClr val="bg1"/>
-                </a:solidFill>
-              </a:rPr>
-              <a:t> </a:t>
-            </a:r>
-            <a:r>
-              <a:rPr lang="de-CH" sz="1700" dirty="0" err="1">
-                <a:solidFill>
-                  <a:schemeClr val="bg1"/>
-                </a:solidFill>
-              </a:rPr>
-              <a:t>size</a:t>
-            </a:r>
-            <a:r>
-              <a:rPr lang="de-CH" sz="1700" dirty="0">
-                <a:solidFill>
-                  <a:schemeClr val="bg1"/>
-                </a:solidFill>
-              </a:rPr>
-              <a:t> </a:t>
-            </a:r>
-            <a:r>
-              <a:rPr lang="de-CH" sz="1700" dirty="0" err="1">
-                <a:solidFill>
-                  <a:schemeClr val="bg1"/>
-                </a:solidFill>
-              </a:rPr>
-              <a:t>of</a:t>
-            </a:r>
-            <a:r>
-              <a:rPr lang="de-CH" sz="1700" dirty="0">
-                <a:solidFill>
-                  <a:schemeClr val="bg1"/>
-                </a:solidFill>
-              </a:rPr>
-              <a:t> </a:t>
-            </a:r>
-            <a:r>
-              <a:rPr lang="de-CH" sz="1700" dirty="0" err="1">
-                <a:solidFill>
-                  <a:schemeClr val="bg1"/>
-                </a:solidFill>
-              </a:rPr>
-              <a:t>the</a:t>
-            </a:r>
-            <a:r>
-              <a:rPr lang="de-CH" sz="1700" dirty="0">
-                <a:solidFill>
-                  <a:schemeClr val="bg1"/>
-                </a:solidFill>
-              </a:rPr>
-              <a:t> </a:t>
-            </a:r>
-            <a:r>
-              <a:rPr lang="de-CH" sz="1700" dirty="0" err="1">
-                <a:solidFill>
-                  <a:schemeClr val="bg1"/>
-                </a:solidFill>
-              </a:rPr>
-              <a:t>data</a:t>
-            </a:r>
-            <a:r>
-              <a:rPr lang="de-CH" sz="1700" dirty="0">
-                <a:solidFill>
-                  <a:schemeClr val="bg1"/>
-                </a:solidFill>
-              </a:rPr>
-              <a:t> and </a:t>
-            </a:r>
-            <a:r>
-              <a:rPr lang="de-CH" sz="1700" dirty="0" err="1">
-                <a:solidFill>
-                  <a:schemeClr val="bg1"/>
-                </a:solidFill>
-              </a:rPr>
-              <a:t>the</a:t>
-            </a:r>
-            <a:r>
-              <a:rPr lang="de-CH" sz="1700" dirty="0">
-                <a:solidFill>
-                  <a:schemeClr val="bg1"/>
-                </a:solidFill>
-              </a:rPr>
-              <a:t> </a:t>
-            </a:r>
-            <a:r>
-              <a:rPr lang="de-CH" sz="1700" dirty="0" err="1">
-                <a:solidFill>
-                  <a:schemeClr val="bg1"/>
-                </a:solidFill>
-              </a:rPr>
-              <a:t>ease</a:t>
-            </a:r>
-            <a:r>
-              <a:rPr lang="de-CH" sz="1700" dirty="0">
-                <a:solidFill>
-                  <a:schemeClr val="bg1"/>
-                </a:solidFill>
-              </a:rPr>
-              <a:t> </a:t>
-            </a:r>
-            <a:r>
-              <a:rPr lang="de-CH" sz="1700" dirty="0" err="1">
-                <a:solidFill>
-                  <a:schemeClr val="bg1"/>
-                </a:solidFill>
-              </a:rPr>
-              <a:t>of</a:t>
-            </a:r>
-            <a:r>
-              <a:rPr lang="de-CH" sz="1700" dirty="0">
-                <a:solidFill>
-                  <a:schemeClr val="bg1"/>
-                </a:solidFill>
-              </a:rPr>
-              <a:t> </a:t>
-            </a:r>
-            <a:r>
-              <a:rPr lang="de-CH" sz="1700" dirty="0" err="1">
-                <a:solidFill>
-                  <a:schemeClr val="bg1"/>
-                </a:solidFill>
-              </a:rPr>
-              <a:t>computing</a:t>
-            </a:r>
-            <a:r>
-              <a:rPr lang="de-CH" sz="1700" dirty="0">
-                <a:solidFill>
-                  <a:schemeClr val="bg1"/>
-                </a:solidFill>
-              </a:rPr>
-              <a:t>, </a:t>
-            </a:r>
-            <a:r>
-              <a:rPr lang="de-CH" sz="1700" dirty="0" err="1">
-                <a:solidFill>
-                  <a:schemeClr val="bg1"/>
-                </a:solidFill>
-              </a:rPr>
-              <a:t>we</a:t>
-            </a:r>
-            <a:r>
-              <a:rPr lang="de-CH" sz="1700" dirty="0">
-                <a:solidFill>
-                  <a:schemeClr val="bg1"/>
-                </a:solidFill>
-              </a:rPr>
-              <a:t> </a:t>
-            </a:r>
-            <a:r>
-              <a:rPr lang="de-CH" sz="1700" dirty="0" err="1">
-                <a:solidFill>
-                  <a:schemeClr val="bg1"/>
-                </a:solidFill>
-              </a:rPr>
-              <a:t>chose</a:t>
-            </a:r>
-            <a:r>
-              <a:rPr lang="de-CH" sz="1700" dirty="0">
-                <a:solidFill>
-                  <a:schemeClr val="bg1"/>
-                </a:solidFill>
-              </a:rPr>
-              <a:t> </a:t>
-            </a:r>
-            <a:r>
-              <a:rPr lang="de-CH" sz="1700" dirty="0" err="1">
-                <a:solidFill>
-                  <a:schemeClr val="bg1"/>
-                </a:solidFill>
-              </a:rPr>
-              <a:t>to</a:t>
-            </a:r>
-            <a:r>
-              <a:rPr lang="de-CH" sz="1700" dirty="0">
-                <a:solidFill>
-                  <a:schemeClr val="bg1"/>
-                </a:solidFill>
-              </a:rPr>
-              <a:t> </a:t>
-            </a:r>
-            <a:r>
-              <a:rPr lang="de-CH" sz="1700" dirty="0" err="1">
-                <a:solidFill>
-                  <a:schemeClr val="bg1"/>
-                </a:solidFill>
-              </a:rPr>
-              <a:t>continue</a:t>
-            </a:r>
-            <a:r>
-              <a:rPr lang="de-CH" sz="1700" dirty="0">
-                <a:solidFill>
-                  <a:schemeClr val="bg1"/>
-                </a:solidFill>
-              </a:rPr>
-              <a:t> </a:t>
-            </a:r>
-            <a:r>
-              <a:rPr lang="de-CH" sz="1700" dirty="0" err="1">
-                <a:solidFill>
-                  <a:schemeClr val="bg1"/>
-                </a:solidFill>
-              </a:rPr>
-              <a:t>to</a:t>
-            </a:r>
-            <a:r>
-              <a:rPr lang="de-CH" sz="1700" dirty="0">
-                <a:solidFill>
-                  <a:schemeClr val="bg1"/>
-                </a:solidFill>
-              </a:rPr>
-              <a:t> </a:t>
-            </a:r>
-            <a:r>
-              <a:rPr lang="de-CH" sz="1700" dirty="0" err="1">
-                <a:solidFill>
-                  <a:schemeClr val="bg1"/>
-                </a:solidFill>
-              </a:rPr>
-              <a:t>utilize</a:t>
-            </a:r>
-            <a:r>
-              <a:rPr lang="de-CH" sz="1700" dirty="0">
-                <a:solidFill>
-                  <a:schemeClr val="bg1"/>
-                </a:solidFill>
-              </a:rPr>
-              <a:t> </a:t>
-            </a:r>
-            <a:r>
-              <a:rPr lang="de-CH" sz="1700" dirty="0" err="1">
-                <a:solidFill>
-                  <a:schemeClr val="bg1"/>
-                </a:solidFill>
-              </a:rPr>
-              <a:t>the</a:t>
-            </a:r>
-            <a:r>
-              <a:rPr lang="de-CH" sz="1700" dirty="0">
-                <a:solidFill>
-                  <a:schemeClr val="bg1"/>
-                </a:solidFill>
-              </a:rPr>
-              <a:t> </a:t>
-            </a:r>
-            <a:r>
-              <a:rPr lang="de-CH" sz="1700" dirty="0" err="1">
-                <a:solidFill>
-                  <a:schemeClr val="bg1"/>
-                </a:solidFill>
-              </a:rPr>
-              <a:t>full</a:t>
-            </a:r>
-            <a:r>
-              <a:rPr lang="de-CH" sz="1700" dirty="0">
-                <a:solidFill>
-                  <a:schemeClr val="bg1"/>
-                </a:solidFill>
-              </a:rPr>
-              <a:t> </a:t>
-            </a:r>
-            <a:r>
-              <a:rPr lang="de-CH" sz="1700" dirty="0" err="1">
-                <a:solidFill>
-                  <a:schemeClr val="bg1"/>
-                </a:solidFill>
-              </a:rPr>
-              <a:t>dataset</a:t>
-            </a:r>
-            <a:r>
-              <a:rPr lang="de-CH" sz="1700" dirty="0">
-                <a:solidFill>
-                  <a:schemeClr val="bg1"/>
-                </a:solidFill>
-              </a:rPr>
-              <a:t> w/o Profile Area </a:t>
-            </a:r>
-            <a:r>
-              <a:rPr lang="de-CH" sz="1700" dirty="0" err="1">
-                <a:solidFill>
-                  <a:schemeClr val="bg1"/>
-                </a:solidFill>
-              </a:rPr>
-              <a:t>to</a:t>
-            </a:r>
-            <a:r>
-              <a:rPr lang="de-CH" sz="1700" dirty="0">
-                <a:solidFill>
-                  <a:schemeClr val="bg1"/>
-                </a:solidFill>
-              </a:rPr>
-              <a:t> </a:t>
-            </a:r>
-            <a:r>
-              <a:rPr lang="de-CH" sz="1700" dirty="0" err="1">
-                <a:solidFill>
-                  <a:schemeClr val="bg1"/>
-                </a:solidFill>
-              </a:rPr>
-              <a:t>increase</a:t>
-            </a:r>
-            <a:r>
-              <a:rPr lang="de-CH" sz="1700" dirty="0">
-                <a:solidFill>
-                  <a:schemeClr val="bg1"/>
-                </a:solidFill>
-              </a:rPr>
-              <a:t> </a:t>
-            </a:r>
-            <a:r>
-              <a:rPr lang="de-CH" sz="1700" dirty="0" err="1">
-                <a:solidFill>
-                  <a:schemeClr val="bg1"/>
-                </a:solidFill>
-              </a:rPr>
-              <a:t>prediction</a:t>
-            </a:r>
-            <a:r>
-              <a:rPr lang="de-CH" sz="1700" dirty="0">
-                <a:solidFill>
-                  <a:schemeClr val="bg1"/>
-                </a:solidFill>
-              </a:rPr>
-              <a:t> </a:t>
-            </a:r>
-            <a:r>
-              <a:rPr lang="de-CH" sz="1700" dirty="0" err="1">
-                <a:solidFill>
-                  <a:schemeClr val="bg1"/>
-                </a:solidFill>
-              </a:rPr>
-              <a:t>quality</a:t>
-            </a:r>
-            <a:endParaRPr lang="de-CH" sz="1700" dirty="0">
-              <a:solidFill>
-                <a:schemeClr val="bg1"/>
-              </a:solidFill>
-            </a:endParaRPr>
-          </a:p>
-          <a:p>
-            <a:pPr>
-              <a:buFontTx/>
-              <a:buChar char="-"/>
-            </a:pPr>
-            <a:endParaRPr lang="de-CH" sz="1700" dirty="0">
-              <a:solidFill>
-                <a:schemeClr val="bg1"/>
-              </a:solidFill>
-            </a:endParaRPr>
-          </a:p>
-          <a:p>
-            <a:pPr>
-              <a:buFontTx/>
-              <a:buChar char="-"/>
-            </a:pPr>
-            <a:endParaRPr lang="en-GB" sz="1700" dirty="0">
-              <a:solidFill>
-                <a:schemeClr val="bg1"/>
-              </a:solidFill>
-            </a:endParaRPr>
-          </a:p>
-          <a:p>
-            <a:pPr>
-              <a:buFontTx/>
-              <a:buChar char="-"/>
-            </a:pPr>
-            <a:endParaRPr lang="en-GB" sz="1700" dirty="0">
-              <a:solidFill>
-                <a:schemeClr val="bg1"/>
-              </a:solidFill>
-            </a:endParaRPr>
-          </a:p>
-        </p:txBody>
-      </p:sp>
-    </p:spTree>
-    <p:extLst>
-      <p:ext uri="{BB962C8B-B14F-4D97-AF65-F5344CB8AC3E}">
-        <p14:creationId xmlns:p14="http://schemas.microsoft.com/office/powerpoint/2010/main" val="2445778443"/>
       </p:ext>
     </p:extLst>
   </p:cSld>

--- a/project/Concrete Analysis.pptx
+++ b/project/Concrete Analysis.pptx
@@ -6,8 +6,8 @@
   </p:sldMasterIdLst>
   <p:sldIdLst>
     <p:sldId id="256" r:id="rId2"/>
-    <p:sldId id="267" r:id="rId3"/>
-    <p:sldId id="257" r:id="rId4"/>
+    <p:sldId id="257" r:id="rId3"/>
+    <p:sldId id="267" r:id="rId4"/>
     <p:sldId id="259" r:id="rId5"/>
     <p:sldId id="260" r:id="rId6"/>
     <p:sldId id="266" r:id="rId7"/>
@@ -5087,7 +5087,7 @@
                   <a:schemeClr val="bg1"/>
                 </a:solidFill>
               </a:rPr>
-              <a:t>The Data</a:t>
+              <a:t>The Goal</a:t>
             </a:r>
           </a:p>
         </p:txBody>
@@ -5283,44 +5283,266 @@
           </a:bodyPr>
           <a:lstStyle/>
           <a:p>
+            <a:pPr marL="0" indent="0">
+              <a:buNone/>
+            </a:pPr>
             <a:r>
               <a:rPr lang="en-GB" sz="1700" dirty="0">
                 <a:solidFill>
                   <a:schemeClr val="bg1"/>
                 </a:solidFill>
               </a:rPr>
-              <a:t>Sourced from a series of experimental trials by the SIKA </a:t>
-            </a:r>
-          </a:p>
-          <a:p>
-            <a:r>
-              <a:rPr lang="en-GB" sz="1700" dirty="0">
-                <a:solidFill>
-                  <a:schemeClr val="bg1"/>
-                </a:solidFill>
-              </a:rPr>
-              <a:t>Contains 1440 observations and 10 variables, 7 of which are used as independent variables while the remaining 3 are dependent</a:t>
-            </a:r>
-          </a:p>
-          <a:p>
+              <a:t>It is bad when </a:t>
+            </a:r>
+            <a:r>
+              <a:rPr lang="en-GB" sz="1700">
+                <a:solidFill>
+                  <a:schemeClr val="bg1"/>
+                </a:solidFill>
+              </a:rPr>
+              <a:t>structures collapse.</a:t>
+            </a:r>
             <a:endParaRPr lang="en-GB" sz="1700" dirty="0">
               <a:solidFill>
                 <a:schemeClr val="bg1"/>
               </a:solidFill>
             </a:endParaRPr>
           </a:p>
+          <a:p>
+            <a:pPr marL="0" indent="0">
+              <a:buNone/>
+            </a:pPr>
+            <a:endParaRPr lang="en-GB" sz="1700" dirty="0">
+              <a:solidFill>
+                <a:schemeClr val="bg1"/>
+              </a:solidFill>
+            </a:endParaRPr>
+          </a:p>
+          <a:p>
+            <a:pPr marL="0" indent="0">
+              <a:buNone/>
+            </a:pPr>
+            <a:r>
+              <a:rPr lang="en-GB" sz="1700" dirty="0">
+                <a:solidFill>
+                  <a:schemeClr val="bg1"/>
+                </a:solidFill>
+              </a:rPr>
+              <a:t>Fibre Reinforced Concrete boasts greater durability, however the makeup of fibres plays a key role.</a:t>
+            </a:r>
+          </a:p>
+          <a:p>
+            <a:pPr marL="0" indent="0">
+              <a:buNone/>
+            </a:pPr>
+            <a:endParaRPr lang="en-GB" sz="1700" dirty="0">
+              <a:solidFill>
+                <a:schemeClr val="bg1"/>
+              </a:solidFill>
+            </a:endParaRPr>
+          </a:p>
+          <a:p>
+            <a:pPr marL="0" indent="0">
+              <a:buNone/>
+            </a:pPr>
+            <a:r>
+              <a:rPr lang="en-GB" sz="1700" dirty="0">
+                <a:solidFill>
+                  <a:schemeClr val="bg1"/>
+                </a:solidFill>
+              </a:rPr>
+              <a:t>The Aim is to predict the durability of fibre-reinforced concrete based on fibre parameters.</a:t>
+            </a:r>
+          </a:p>
         </p:txBody>
       </p:sp>
     </p:spTree>
     <p:extLst>
       <p:ext uri="{BB962C8B-B14F-4D97-AF65-F5344CB8AC3E}">
-        <p14:creationId xmlns:p14="http://schemas.microsoft.com/office/powerpoint/2010/main" val="2396326781"/>
+        <p14:creationId xmlns:p14="http://schemas.microsoft.com/office/powerpoint/2010/main" val="792363258"/>
       </p:ext>
     </p:extLst>
   </p:cSld>
   <p:clrMapOvr>
     <a:masterClrMapping/>
   </p:clrMapOvr>
+  <p:timing>
+    <p:tnLst>
+      <p:par>
+        <p:cTn id="1" dur="indefinite" restart="never" nodeType="tmRoot">
+          <p:childTnLst>
+            <p:seq concurrent="1" nextAc="seek">
+              <p:cTn id="2" dur="indefinite" nodeType="mainSeq">
+                <p:childTnLst>
+                  <p:par>
+                    <p:cTn id="3" fill="hold">
+                      <p:stCondLst>
+                        <p:cond delay="indefinite"/>
+                      </p:stCondLst>
+                      <p:childTnLst>
+                        <p:par>
+                          <p:cTn id="4" fill="hold">
+                            <p:stCondLst>
+                              <p:cond delay="0"/>
+                            </p:stCondLst>
+                            <p:childTnLst>
+                              <p:par>
+                                <p:cTn id="5" presetID="1" presetClass="entr" presetSubtype="0" fill="hold" nodeType="clickEffect">
+                                  <p:stCondLst>
+                                    <p:cond delay="0"/>
+                                  </p:stCondLst>
+                                  <p:childTnLst>
+                                    <p:set>
+                                      <p:cBhvr>
+                                        <p:cTn id="6" dur="1" fill="hold">
+                                          <p:stCondLst>
+                                            <p:cond delay="0"/>
+                                          </p:stCondLst>
+                                        </p:cTn>
+                                        <p:tgtEl>
+                                          <p:spTgt spid="3">
+                                            <p:txEl>
+                                              <p:pRg st="0" end="0"/>
+                                            </p:txEl>
+                                          </p:spTgt>
+                                        </p:tgtEl>
+                                        <p:attrNameLst>
+                                          <p:attrName>style.visibility</p:attrName>
+                                        </p:attrNameLst>
+                                      </p:cBhvr>
+                                      <p:to>
+                                        <p:strVal val="visible"/>
+                                      </p:to>
+                                    </p:set>
+                                  </p:childTnLst>
+                                </p:cTn>
+                              </p:par>
+                            </p:childTnLst>
+                          </p:cTn>
+                        </p:par>
+                      </p:childTnLst>
+                    </p:cTn>
+                  </p:par>
+                  <p:par>
+                    <p:cTn id="7" fill="hold">
+                      <p:stCondLst>
+                        <p:cond delay="indefinite"/>
+                      </p:stCondLst>
+                      <p:childTnLst>
+                        <p:par>
+                          <p:cTn id="8" fill="hold">
+                            <p:stCondLst>
+                              <p:cond delay="0"/>
+                            </p:stCondLst>
+                            <p:childTnLst>
+                              <p:par>
+                                <p:cTn id="9" presetID="1" presetClass="entr" presetSubtype="0" fill="hold" nodeType="clickEffect">
+                                  <p:stCondLst>
+                                    <p:cond delay="0"/>
+                                  </p:stCondLst>
+                                  <p:childTnLst>
+                                    <p:set>
+                                      <p:cBhvr>
+                                        <p:cTn id="10" dur="1" fill="hold">
+                                          <p:stCondLst>
+                                            <p:cond delay="0"/>
+                                          </p:stCondLst>
+                                        </p:cTn>
+                                        <p:tgtEl>
+                                          <p:spTgt spid="3">
+                                            <p:txEl>
+                                              <p:pRg st="2" end="2"/>
+                                            </p:txEl>
+                                          </p:spTgt>
+                                        </p:tgtEl>
+                                        <p:attrNameLst>
+                                          <p:attrName>style.visibility</p:attrName>
+                                        </p:attrNameLst>
+                                      </p:cBhvr>
+                                      <p:to>
+                                        <p:strVal val="visible"/>
+                                      </p:to>
+                                    </p:set>
+                                  </p:childTnLst>
+                                </p:cTn>
+                              </p:par>
+                            </p:childTnLst>
+                          </p:cTn>
+                        </p:par>
+                      </p:childTnLst>
+                    </p:cTn>
+                  </p:par>
+                  <p:par>
+                    <p:cTn id="11" fill="hold">
+                      <p:stCondLst>
+                        <p:cond delay="indefinite"/>
+                      </p:stCondLst>
+                      <p:childTnLst>
+                        <p:par>
+                          <p:cTn id="12" fill="hold">
+                            <p:stCondLst>
+                              <p:cond delay="0"/>
+                            </p:stCondLst>
+                            <p:childTnLst>
+                              <p:par>
+                                <p:cTn id="13" presetID="1" presetClass="entr" presetSubtype="0" fill="hold" nodeType="clickEffect">
+                                  <p:stCondLst>
+                                    <p:cond delay="0"/>
+                                  </p:stCondLst>
+                                  <p:childTnLst>
+                                    <p:set>
+                                      <p:cBhvr>
+                                        <p:cTn id="14" dur="1" fill="hold">
+                                          <p:stCondLst>
+                                            <p:cond delay="0"/>
+                                          </p:stCondLst>
+                                        </p:cTn>
+                                        <p:tgtEl>
+                                          <p:spTgt spid="3">
+                                            <p:txEl>
+                                              <p:pRg st="4" end="4"/>
+                                            </p:txEl>
+                                          </p:spTgt>
+                                        </p:tgtEl>
+                                        <p:attrNameLst>
+                                          <p:attrName>style.visibility</p:attrName>
+                                        </p:attrNameLst>
+                                      </p:cBhvr>
+                                      <p:to>
+                                        <p:strVal val="visible"/>
+                                      </p:to>
+                                    </p:set>
+                                  </p:childTnLst>
+                                </p:cTn>
+                              </p:par>
+                            </p:childTnLst>
+                          </p:cTn>
+                        </p:par>
+                      </p:childTnLst>
+                    </p:cTn>
+                  </p:par>
+                </p:childTnLst>
+              </p:cTn>
+              <p:prevCondLst>
+                <p:cond evt="onPrev" delay="0">
+                  <p:tgtEl>
+                    <p:sldTgt/>
+                  </p:tgtEl>
+                </p:cond>
+              </p:prevCondLst>
+              <p:nextCondLst>
+                <p:cond evt="onNext" delay="0">
+                  <p:tgtEl>
+                    <p:sldTgt/>
+                  </p:tgtEl>
+                </p:cond>
+              </p:nextCondLst>
+            </p:seq>
+          </p:childTnLst>
+        </p:cTn>
+      </p:par>
+    </p:tnLst>
+  </p:timing>
 </p:sld>
 </file>
 
@@ -5791,7 +6013,7 @@
     </p:spTree>
     <p:extLst>
       <p:ext uri="{BB962C8B-B14F-4D97-AF65-F5344CB8AC3E}">
-        <p14:creationId xmlns:p14="http://schemas.microsoft.com/office/powerpoint/2010/main" val="792363258"/>
+        <p14:creationId xmlns:p14="http://schemas.microsoft.com/office/powerpoint/2010/main" val="4079643037"/>
       </p:ext>
     </p:extLst>
   </p:cSld>
